--- a/sig3/slides/SIG 3 slides.pptx
+++ b/sig3/slides/SIG 3 slides.pptx
@@ -19,6 +19,7 @@
     <p:sldId id="265" r:id="rId14"/>
     <p:sldId id="266" r:id="rId15"/>
     <p:sldId id="267" r:id="rId16"/>
+    <p:sldId id="268" r:id="rId17"/>
   </p:sldIdLst>
   <p:sldSz cx="9144000" cy="5143500"/>
   <p:notesSz cx="7559675" cy="10691812"/>
@@ -4058,7 +4059,7 @@
         <p:spPr>
           <a:xfrm>
             <a:off x="7200000" y="360000"/>
-            <a:ext cx="1253160" cy="280800"/>
+            <a:ext cx="1252800" cy="280440"/>
           </a:xfrm>
           <a:prstGeom prst="rect">
             <a:avLst/>
@@ -4081,7 +4082,7 @@
         <p:spPr>
           <a:xfrm>
             <a:off x="0" y="4966560"/>
-            <a:ext cx="9138240" cy="171000"/>
+            <a:ext cx="9137880" cy="170640"/>
           </a:xfrm>
           <a:prstGeom prst="rect">
             <a:avLst/>
@@ -4138,7 +4139,7 @@
         <p:spPr>
           <a:xfrm>
             <a:off x="0" y="4966560"/>
-            <a:ext cx="9138240" cy="171000"/>
+            <a:ext cx="9137880" cy="170640"/>
           </a:xfrm>
           <a:prstGeom prst="rect">
             <a:avLst/>
@@ -4161,7 +4162,7 @@
         <p:spPr>
           <a:xfrm>
             <a:off x="648000" y="108000"/>
-            <a:ext cx="2874600" cy="643320"/>
+            <a:ext cx="2874240" cy="642960"/>
           </a:xfrm>
           <a:prstGeom prst="rect">
             <a:avLst/>
@@ -4442,7 +4443,7 @@
         <p:spPr>
           <a:xfrm>
             <a:off x="7200000" y="360000"/>
-            <a:ext cx="1253160" cy="280800"/>
+            <a:ext cx="1252800" cy="280440"/>
           </a:xfrm>
           <a:prstGeom prst="rect">
             <a:avLst/>
@@ -4465,7 +4466,7 @@
         <p:spPr>
           <a:xfrm>
             <a:off x="0" y="4966560"/>
-            <a:ext cx="9138240" cy="171000"/>
+            <a:ext cx="9137880" cy="170640"/>
           </a:xfrm>
           <a:prstGeom prst="rect">
             <a:avLst/>
@@ -4536,7 +4537,211 @@
               <a:rPr b="0" lang="en-US" sz="4400" spc="-1" strike="noStrike">
                 <a:latin typeface="Arial"/>
               </a:rPr>
-              <a:t>Click to edit the title text format</a:t>
+              <a:t>C</a:t>
+            </a:r>
+            <a:r>
+              <a:rPr b="0" lang="en-US" sz="4400" spc="-1" strike="noStrike">
+                <a:latin typeface="Arial"/>
+              </a:rPr>
+              <a:t>l</a:t>
+            </a:r>
+            <a:r>
+              <a:rPr b="0" lang="en-US" sz="4400" spc="-1" strike="noStrike">
+                <a:latin typeface="Arial"/>
+              </a:rPr>
+              <a:t>i</a:t>
+            </a:r>
+            <a:r>
+              <a:rPr b="0" lang="en-US" sz="4400" spc="-1" strike="noStrike">
+                <a:latin typeface="Arial"/>
+              </a:rPr>
+              <a:t>c</a:t>
+            </a:r>
+            <a:r>
+              <a:rPr b="0" lang="en-US" sz="4400" spc="-1" strike="noStrike">
+                <a:latin typeface="Arial"/>
+              </a:rPr>
+              <a:t>k</a:t>
+            </a:r>
+            <a:r>
+              <a:rPr b="0" lang="en-US" sz="4400" spc="-1" strike="noStrike">
+                <a:latin typeface="Arial"/>
+              </a:rPr>
+              <a:t> </a:t>
+            </a:r>
+            <a:r>
+              <a:rPr b="0" lang="en-US" sz="4400" spc="-1" strike="noStrike">
+                <a:latin typeface="Arial"/>
+              </a:rPr>
+              <a:t>t</a:t>
+            </a:r>
+            <a:r>
+              <a:rPr b="0" lang="en-US" sz="4400" spc="-1" strike="noStrike">
+                <a:latin typeface="Arial"/>
+              </a:rPr>
+              <a:t>o</a:t>
+            </a:r>
+            <a:r>
+              <a:rPr b="0" lang="en-US" sz="4400" spc="-1" strike="noStrike">
+                <a:latin typeface="Arial"/>
+              </a:rPr>
+              <a:t> </a:t>
+            </a:r>
+            <a:r>
+              <a:rPr b="0" lang="en-US" sz="4400" spc="-1" strike="noStrike">
+                <a:latin typeface="Arial"/>
+              </a:rPr>
+              <a:t>e</a:t>
+            </a:r>
+            <a:r>
+              <a:rPr b="0" lang="en-US" sz="4400" spc="-1" strike="noStrike">
+                <a:latin typeface="Arial"/>
+              </a:rPr>
+              <a:t>d</a:t>
+            </a:r>
+            <a:r>
+              <a:rPr b="0" lang="en-US" sz="4400" spc="-1" strike="noStrike">
+                <a:latin typeface="Arial"/>
+              </a:rPr>
+              <a:t>i</a:t>
+            </a:r>
+            <a:r>
+              <a:rPr b="0" lang="en-US" sz="4400" spc="-1" strike="noStrike">
+                <a:latin typeface="Arial"/>
+              </a:rPr>
+              <a:t>t</a:t>
+            </a:r>
+            <a:r>
+              <a:rPr b="0" lang="en-US" sz="4400" spc="-1" strike="noStrike">
+                <a:latin typeface="Arial"/>
+              </a:rPr>
+              <a:t> </a:t>
+            </a:r>
+            <a:r>
+              <a:rPr b="0" lang="en-US" sz="4400" spc="-1" strike="noStrike">
+                <a:latin typeface="Arial"/>
+              </a:rPr>
+              <a:t>t</a:t>
+            </a:r>
+            <a:r>
+              <a:rPr b="0" lang="en-US" sz="4400" spc="-1" strike="noStrike">
+                <a:latin typeface="Arial"/>
+              </a:rPr>
+              <a:t>h</a:t>
+            </a:r>
+            <a:r>
+              <a:rPr b="0" lang="en-US" sz="4400" spc="-1" strike="noStrike">
+                <a:latin typeface="Arial"/>
+              </a:rPr>
+              <a:t>e</a:t>
+            </a:r>
+            <a:r>
+              <a:rPr b="0" lang="en-US" sz="4400" spc="-1" strike="noStrike">
+                <a:latin typeface="Arial"/>
+              </a:rPr>
+              <a:t> </a:t>
+            </a:r>
+            <a:r>
+              <a:rPr b="0" lang="en-US" sz="4400" spc="-1" strike="noStrike">
+                <a:latin typeface="Arial"/>
+              </a:rPr>
+              <a:t>t</a:t>
+            </a:r>
+            <a:r>
+              <a:rPr b="0" lang="en-US" sz="4400" spc="-1" strike="noStrike">
+                <a:latin typeface="Arial"/>
+              </a:rPr>
+              <a:t>i</a:t>
+            </a:r>
+            <a:r>
+              <a:rPr b="0" lang="en-US" sz="4400" spc="-1" strike="noStrike">
+                <a:latin typeface="Arial"/>
+              </a:rPr>
+              <a:t>t</a:t>
+            </a:r>
+            <a:r>
+              <a:rPr b="0" lang="en-US" sz="4400" spc="-1" strike="noStrike">
+                <a:latin typeface="Arial"/>
+              </a:rPr>
+              <a:t>l</a:t>
+            </a:r>
+            <a:r>
+              <a:rPr b="0" lang="en-US" sz="4400" spc="-1" strike="noStrike">
+                <a:latin typeface="Arial"/>
+              </a:rPr>
+              <a:t>e</a:t>
+            </a:r>
+            <a:r>
+              <a:rPr b="0" lang="en-US" sz="4400" spc="-1" strike="noStrike">
+                <a:latin typeface="Arial"/>
+              </a:rPr>
+              <a:t> </a:t>
+            </a:r>
+            <a:r>
+              <a:rPr b="0" lang="en-US" sz="4400" spc="-1" strike="noStrike">
+                <a:latin typeface="Arial"/>
+              </a:rPr>
+              <a:t>t</a:t>
+            </a:r>
+            <a:r>
+              <a:rPr b="0" lang="en-US" sz="4400" spc="-1" strike="noStrike">
+                <a:latin typeface="Arial"/>
+              </a:rPr>
+              <a:t>e</a:t>
+            </a:r>
+            <a:r>
+              <a:rPr b="0" lang="en-US" sz="4400" spc="-1" strike="noStrike">
+                <a:latin typeface="Arial"/>
+              </a:rPr>
+              <a:t>x</a:t>
+            </a:r>
+            <a:r>
+              <a:rPr b="0" lang="en-US" sz="4400" spc="-1" strike="noStrike">
+                <a:latin typeface="Arial"/>
+              </a:rPr>
+              <a:t>t</a:t>
+            </a:r>
+            <a:r>
+              <a:rPr b="0" lang="en-US" sz="4400" spc="-1" strike="noStrike">
+                <a:latin typeface="Arial"/>
+              </a:rPr>
+              <a:t> </a:t>
+            </a:r>
+            <a:r>
+              <a:rPr b="0" lang="en-US" sz="4400" spc="-1" strike="noStrike">
+                <a:latin typeface="Arial"/>
+              </a:rPr>
+              <a:t>f</a:t>
+            </a:r>
+            <a:r>
+              <a:rPr b="0" lang="en-US" sz="4400" spc="-1" strike="noStrike">
+                <a:latin typeface="Arial"/>
+              </a:rPr>
+              <a:t>o</a:t>
+            </a:r>
+            <a:r>
+              <a:rPr b="0" lang="en-US" sz="4400" spc="-1" strike="noStrike">
+                <a:latin typeface="Arial"/>
+              </a:rPr>
+              <a:t>r</a:t>
+            </a:r>
+            <a:r>
+              <a:rPr b="0" lang="en-US" sz="4400" spc="-1" strike="noStrike">
+                <a:latin typeface="Arial"/>
+              </a:rPr>
+              <a:t>m</a:t>
+            </a:r>
+            <a:r>
+              <a:rPr b="0" lang="en-US" sz="4400" spc="-1" strike="noStrike">
+                <a:latin typeface="Arial"/>
+              </a:rPr>
+              <a:t>a</a:t>
+            </a:r>
+            <a:r>
+              <a:rPr b="0" lang="en-US" sz="4400" spc="-1" strike="noStrike">
+                <a:latin typeface="Arial"/>
+              </a:rPr>
+              <a:t>t</a:t>
             </a:r>
             <a:endParaRPr b="0" lang="en-US" sz="4400" spc="-1" strike="noStrike">
               <a:latin typeface="Arial"/>
@@ -4780,7 +4985,7 @@
         <p:spPr>
           <a:xfrm>
             <a:off x="7200000" y="360000"/>
-            <a:ext cx="1253160" cy="280800"/>
+            <a:ext cx="1252800" cy="280440"/>
           </a:xfrm>
           <a:prstGeom prst="rect">
             <a:avLst/>
@@ -4803,7 +5008,7 @@
         <p:spPr>
           <a:xfrm>
             <a:off x="0" y="4966560"/>
-            <a:ext cx="9138240" cy="171000"/>
+            <a:ext cx="9137880" cy="170640"/>
           </a:xfrm>
           <a:prstGeom prst="rect">
             <a:avLst/>
@@ -4856,7 +5061,7 @@
         <p:spPr>
           <a:xfrm>
             <a:off x="0" y="812880"/>
-            <a:ext cx="9138240" cy="3504240"/>
+            <a:ext cx="9137880" cy="3503880"/>
           </a:xfrm>
           <a:prstGeom prst="rect">
             <a:avLst/>
@@ -4910,7 +5115,211 @@
               <a:rPr b="0" lang="en-US" sz="4400" spc="-1" strike="noStrike">
                 <a:latin typeface="Arial"/>
               </a:rPr>
-              <a:t>Click to edit the title text format</a:t>
+              <a:t>C</a:t>
+            </a:r>
+            <a:r>
+              <a:rPr b="0" lang="en-US" sz="4400" spc="-1" strike="noStrike">
+                <a:latin typeface="Arial"/>
+              </a:rPr>
+              <a:t>l</a:t>
+            </a:r>
+            <a:r>
+              <a:rPr b="0" lang="en-US" sz="4400" spc="-1" strike="noStrike">
+                <a:latin typeface="Arial"/>
+              </a:rPr>
+              <a:t>i</a:t>
+            </a:r>
+            <a:r>
+              <a:rPr b="0" lang="en-US" sz="4400" spc="-1" strike="noStrike">
+                <a:latin typeface="Arial"/>
+              </a:rPr>
+              <a:t>c</a:t>
+            </a:r>
+            <a:r>
+              <a:rPr b="0" lang="en-US" sz="4400" spc="-1" strike="noStrike">
+                <a:latin typeface="Arial"/>
+              </a:rPr>
+              <a:t>k</a:t>
+            </a:r>
+            <a:r>
+              <a:rPr b="0" lang="en-US" sz="4400" spc="-1" strike="noStrike">
+                <a:latin typeface="Arial"/>
+              </a:rPr>
+              <a:t> </a:t>
+            </a:r>
+            <a:r>
+              <a:rPr b="0" lang="en-US" sz="4400" spc="-1" strike="noStrike">
+                <a:latin typeface="Arial"/>
+              </a:rPr>
+              <a:t>t</a:t>
+            </a:r>
+            <a:r>
+              <a:rPr b="0" lang="en-US" sz="4400" spc="-1" strike="noStrike">
+                <a:latin typeface="Arial"/>
+              </a:rPr>
+              <a:t>o</a:t>
+            </a:r>
+            <a:r>
+              <a:rPr b="0" lang="en-US" sz="4400" spc="-1" strike="noStrike">
+                <a:latin typeface="Arial"/>
+              </a:rPr>
+              <a:t> </a:t>
+            </a:r>
+            <a:r>
+              <a:rPr b="0" lang="en-US" sz="4400" spc="-1" strike="noStrike">
+                <a:latin typeface="Arial"/>
+              </a:rPr>
+              <a:t>e</a:t>
+            </a:r>
+            <a:r>
+              <a:rPr b="0" lang="en-US" sz="4400" spc="-1" strike="noStrike">
+                <a:latin typeface="Arial"/>
+              </a:rPr>
+              <a:t>d</a:t>
+            </a:r>
+            <a:r>
+              <a:rPr b="0" lang="en-US" sz="4400" spc="-1" strike="noStrike">
+                <a:latin typeface="Arial"/>
+              </a:rPr>
+              <a:t>i</a:t>
+            </a:r>
+            <a:r>
+              <a:rPr b="0" lang="en-US" sz="4400" spc="-1" strike="noStrike">
+                <a:latin typeface="Arial"/>
+              </a:rPr>
+              <a:t>t</a:t>
+            </a:r>
+            <a:r>
+              <a:rPr b="0" lang="en-US" sz="4400" spc="-1" strike="noStrike">
+                <a:latin typeface="Arial"/>
+              </a:rPr>
+              <a:t> </a:t>
+            </a:r>
+            <a:r>
+              <a:rPr b="0" lang="en-US" sz="4400" spc="-1" strike="noStrike">
+                <a:latin typeface="Arial"/>
+              </a:rPr>
+              <a:t>t</a:t>
+            </a:r>
+            <a:r>
+              <a:rPr b="0" lang="en-US" sz="4400" spc="-1" strike="noStrike">
+                <a:latin typeface="Arial"/>
+              </a:rPr>
+              <a:t>h</a:t>
+            </a:r>
+            <a:r>
+              <a:rPr b="0" lang="en-US" sz="4400" spc="-1" strike="noStrike">
+                <a:latin typeface="Arial"/>
+              </a:rPr>
+              <a:t>e</a:t>
+            </a:r>
+            <a:r>
+              <a:rPr b="0" lang="en-US" sz="4400" spc="-1" strike="noStrike">
+                <a:latin typeface="Arial"/>
+              </a:rPr>
+              <a:t> </a:t>
+            </a:r>
+            <a:r>
+              <a:rPr b="0" lang="en-US" sz="4400" spc="-1" strike="noStrike">
+                <a:latin typeface="Arial"/>
+              </a:rPr>
+              <a:t>t</a:t>
+            </a:r>
+            <a:r>
+              <a:rPr b="0" lang="en-US" sz="4400" spc="-1" strike="noStrike">
+                <a:latin typeface="Arial"/>
+              </a:rPr>
+              <a:t>i</a:t>
+            </a:r>
+            <a:r>
+              <a:rPr b="0" lang="en-US" sz="4400" spc="-1" strike="noStrike">
+                <a:latin typeface="Arial"/>
+              </a:rPr>
+              <a:t>t</a:t>
+            </a:r>
+            <a:r>
+              <a:rPr b="0" lang="en-US" sz="4400" spc="-1" strike="noStrike">
+                <a:latin typeface="Arial"/>
+              </a:rPr>
+              <a:t>l</a:t>
+            </a:r>
+            <a:r>
+              <a:rPr b="0" lang="en-US" sz="4400" spc="-1" strike="noStrike">
+                <a:latin typeface="Arial"/>
+              </a:rPr>
+              <a:t>e</a:t>
+            </a:r>
+            <a:r>
+              <a:rPr b="0" lang="en-US" sz="4400" spc="-1" strike="noStrike">
+                <a:latin typeface="Arial"/>
+              </a:rPr>
+              <a:t> </a:t>
+            </a:r>
+            <a:r>
+              <a:rPr b="0" lang="en-US" sz="4400" spc="-1" strike="noStrike">
+                <a:latin typeface="Arial"/>
+              </a:rPr>
+              <a:t>t</a:t>
+            </a:r>
+            <a:r>
+              <a:rPr b="0" lang="en-US" sz="4400" spc="-1" strike="noStrike">
+                <a:latin typeface="Arial"/>
+              </a:rPr>
+              <a:t>e</a:t>
+            </a:r>
+            <a:r>
+              <a:rPr b="0" lang="en-US" sz="4400" spc="-1" strike="noStrike">
+                <a:latin typeface="Arial"/>
+              </a:rPr>
+              <a:t>x</a:t>
+            </a:r>
+            <a:r>
+              <a:rPr b="0" lang="en-US" sz="4400" spc="-1" strike="noStrike">
+                <a:latin typeface="Arial"/>
+              </a:rPr>
+              <a:t>t</a:t>
+            </a:r>
+            <a:r>
+              <a:rPr b="0" lang="en-US" sz="4400" spc="-1" strike="noStrike">
+                <a:latin typeface="Arial"/>
+              </a:rPr>
+              <a:t> </a:t>
+            </a:r>
+            <a:r>
+              <a:rPr b="0" lang="en-US" sz="4400" spc="-1" strike="noStrike">
+                <a:latin typeface="Arial"/>
+              </a:rPr>
+              <a:t>f</a:t>
+            </a:r>
+            <a:r>
+              <a:rPr b="0" lang="en-US" sz="4400" spc="-1" strike="noStrike">
+                <a:latin typeface="Arial"/>
+              </a:rPr>
+              <a:t>o</a:t>
+            </a:r>
+            <a:r>
+              <a:rPr b="0" lang="en-US" sz="4400" spc="-1" strike="noStrike">
+                <a:latin typeface="Arial"/>
+              </a:rPr>
+              <a:t>r</a:t>
+            </a:r>
+            <a:r>
+              <a:rPr b="0" lang="en-US" sz="4400" spc="-1" strike="noStrike">
+                <a:latin typeface="Arial"/>
+              </a:rPr>
+              <a:t>m</a:t>
+            </a:r>
+            <a:r>
+              <a:rPr b="0" lang="en-US" sz="4400" spc="-1" strike="noStrike">
+                <a:latin typeface="Arial"/>
+              </a:rPr>
+              <a:t>a</a:t>
+            </a:r>
+            <a:r>
+              <a:rPr b="0" lang="en-US" sz="4400" spc="-1" strike="noStrike">
+                <a:latin typeface="Arial"/>
+              </a:rPr>
+              <a:t>t</a:t>
             </a:r>
             <a:endParaRPr b="0" lang="en-US" sz="4400" spc="-1" strike="noStrike">
               <a:latin typeface="Arial"/>
@@ -5148,7 +5557,7 @@
         <p:spPr>
           <a:xfrm>
             <a:off x="0" y="810000"/>
-            <a:ext cx="9138240" cy="3342240"/>
+            <a:ext cx="9137880" cy="3341880"/>
           </a:xfrm>
           <a:prstGeom prst="rect">
             <a:avLst/>
@@ -5170,7 +5579,7 @@
         <p:spPr>
           <a:xfrm>
             <a:off x="5400000" y="1548000"/>
-            <a:ext cx="3018240" cy="3018240"/>
+            <a:ext cx="3017880" cy="3017880"/>
           </a:xfrm>
           <a:prstGeom prst="rect">
             <a:avLst/>
@@ -5274,14 +5683,14 @@
       </p:grpSpPr>
       <p:sp>
         <p:nvSpPr>
-          <p:cNvPr id="163" name="CustomShape 1"/>
+          <p:cNvPr id="195" name="CustomShape 1"/>
           <p:cNvSpPr/>
           <p:nvPr/>
         </p:nvSpPr>
         <p:spPr>
           <a:xfrm>
             <a:off x="720000" y="288000"/>
-            <a:ext cx="6618240" cy="498240"/>
+            <a:ext cx="6617880" cy="497880"/>
           </a:xfrm>
           <a:prstGeom prst="rect">
             <a:avLst/>
@@ -5313,7 +5722,7 @@
                 <a:latin typeface="Arial"/>
                 <a:ea typeface="DejaVu Sans"/>
               </a:rPr>
-              <a:t>Hands-on: Redux actions</a:t>
+              <a:t>Hands-on: Controlled form</a:t>
             </a:r>
             <a:endParaRPr b="0" lang="en-US" sz="1800" spc="-1" strike="noStrike">
               <a:latin typeface="Arial"/>
@@ -5323,14 +5732,14 @@
       </p:sp>
       <p:sp>
         <p:nvSpPr>
-          <p:cNvPr id="164" name="CustomShape 2"/>
+          <p:cNvPr id="196" name="CustomShape 2"/>
           <p:cNvSpPr/>
           <p:nvPr/>
         </p:nvSpPr>
         <p:spPr>
           <a:xfrm>
             <a:off x="4968000" y="5004000"/>
-            <a:ext cx="3234240" cy="102240"/>
+            <a:ext cx="3233880" cy="101880"/>
           </a:xfrm>
           <a:prstGeom prst="rect">
             <a:avLst/>
@@ -5372,14 +5781,14 @@
       </p:sp>
       <p:sp>
         <p:nvSpPr>
-          <p:cNvPr id="165" name="CustomShape 3"/>
+          <p:cNvPr id="197" name="CustomShape 3"/>
           <p:cNvSpPr/>
           <p:nvPr/>
         </p:nvSpPr>
         <p:spPr>
           <a:xfrm>
             <a:off x="8280000" y="5004000"/>
-            <a:ext cx="138240" cy="102240"/>
+            <a:ext cx="137880" cy="101880"/>
           </a:xfrm>
           <a:prstGeom prst="rect">
             <a:avLst/>
@@ -5403,7 +5812,7 @@
                 <a:spcPct val="100000"/>
               </a:lnSpc>
             </a:pPr>
-            <a:fld id="{CC061901-087C-47AF-B2C1-22E66C00C541}" type="slidenum">
+            <a:fld id="{9DDF4549-5A69-4362-B9E2-EE4BADD7DE1F}" type="slidenum">
               <a:rPr b="0" lang="en-US" sz="600" spc="-1" strike="noStrike">
                 <a:solidFill>
                   <a:srgbClr val="ffffff"/>
@@ -5411,7 +5820,7 @@
                 <a:latin typeface="Arial"/>
                 <a:ea typeface="DejaVu Sans"/>
               </a:rPr>
-              <a:t>1</a:t>
+              <a:t>&lt;number&gt;</a:t>
             </a:fld>
             <a:endParaRPr b="0" lang="en-US" sz="600" spc="-1" strike="noStrike">
               <a:latin typeface="Arial"/>
@@ -5421,14 +5830,14 @@
       </p:sp>
       <p:sp>
         <p:nvSpPr>
-          <p:cNvPr id="166" name="CustomShape 4"/>
+          <p:cNvPr id="198" name="CustomShape 4"/>
           <p:cNvSpPr/>
           <p:nvPr/>
         </p:nvSpPr>
         <p:spPr>
           <a:xfrm>
-            <a:off x="640080" y="780840"/>
-            <a:ext cx="6618240" cy="3881520"/>
+            <a:off x="640080" y="822960"/>
+            <a:ext cx="6617880" cy="3881160"/>
           </a:xfrm>
           <a:prstGeom prst="rect">
             <a:avLst/>
@@ -5457,7 +5866,7 @@
             </a:endParaRPr>
           </a:p>
           <a:p>
-            <a:pPr marL="285840" indent="-280080">
+            <a:pPr marL="285840" indent="-279720">
               <a:lnSpc>
                 <a:spcPct val="120000"/>
               </a:lnSpc>
@@ -5475,34 +5884,14 @@
                 <a:latin typeface="Arial"/>
                 <a:ea typeface="DejaVu Sans"/>
               </a:rPr>
-              <a:t>Create a file: src/store/accommodations/actions.js</a:t>
+              <a:t>Add a new page at `/create`</a:t>
             </a:r>
             <a:endParaRPr b="0" lang="en-US" sz="1500" spc="-1" strike="noStrike">
               <a:latin typeface="Arial"/>
             </a:endParaRPr>
           </a:p>
           <a:p>
-            <a:pPr>
-              <a:lnSpc>
-                <a:spcPct val="120000"/>
-              </a:lnSpc>
-            </a:pPr>
-            <a:r>
-              <a:rPr b="0" lang="en-US" sz="1500" spc="-1" strike="noStrike">
-                <a:solidFill>
-                  <a:srgbClr val="000000"/>
-                </a:solidFill>
-                <a:latin typeface="Arial"/>
-                <a:ea typeface="DejaVu Sans"/>
-              </a:rPr>
-              <a:t>Export a function getAllAccommodations which returns an async function  which takes a parameter called dispatch. HINT: this async means you will want to use `await`. </a:t>
-            </a:r>
-            <a:endParaRPr b="0" lang="en-US" sz="1500" spc="-1" strike="noStrike">
-              <a:latin typeface="Arial"/>
-            </a:endParaRPr>
-          </a:p>
-          <a:p>
-            <a:pPr marL="285840" indent="-280080">
+            <a:pPr marL="285840" indent="-279720">
               <a:lnSpc>
                 <a:spcPct val="120000"/>
               </a:lnSpc>
@@ -5520,14 +5909,14 @@
                 <a:latin typeface="Arial"/>
                 <a:ea typeface="DejaVu Sans"/>
               </a:rPr>
-              <a:t>In the returned function, dispatch an object with the attribute type set to “REQUEST_ACCOMMODATIONS”</a:t>
+              <a:t>Add a MUI TextField for name, location, foto url, description and a MUI (multi)Select for amenities (faciliteiten)</a:t>
             </a:r>
             <a:endParaRPr b="0" lang="en-US" sz="1500" spc="-1" strike="noStrike">
               <a:latin typeface="Arial"/>
             </a:endParaRPr>
           </a:p>
           <a:p>
-            <a:pPr marL="285840" indent="-280080">
+            <a:pPr marL="285840" indent="-279720">
               <a:lnSpc>
                 <a:spcPct val="120000"/>
               </a:lnSpc>
@@ -5545,14 +5934,14 @@
                 <a:latin typeface="Arial"/>
                 <a:ea typeface="DejaVu Sans"/>
               </a:rPr>
-              <a:t>Move the accommodations fetch from Accommodations.js to here</a:t>
+              <a:t>Have the input values depend on state and add functions for the inputs’ `onChange`</a:t>
             </a:r>
             <a:endParaRPr b="0" lang="en-US" sz="1500" spc="-1" strike="noStrike">
               <a:latin typeface="Arial"/>
             </a:endParaRPr>
           </a:p>
           <a:p>
-            <a:pPr marL="285840" indent="-280080">
+            <a:pPr marL="285840" indent="-279720">
               <a:lnSpc>
                 <a:spcPct val="120000"/>
               </a:lnSpc>
@@ -5570,7 +5959,7 @@
                 <a:latin typeface="Arial"/>
                 <a:ea typeface="DejaVu Sans"/>
               </a:rPr>
-              <a:t>If the Fetch is successful dispatch a second object with type “RECEIVE_ACCOMMODATIONS” and  the accommodations as payload. If the Fetch is unsuccessful dispatch an object with type “ERROR_ACCOMMODATIONS”</a:t>
+              <a:t>Add a submit button which posts the accomodation to `localhost:3030/accommodations` using the fetch function from ‘src/common/fetc’</a:t>
             </a:r>
             <a:endParaRPr b="0" lang="en-US" sz="1500" spc="-1" strike="noStrike">
               <a:latin typeface="Arial"/>
@@ -5587,7 +5976,7 @@
             </a:endParaRPr>
           </a:p>
           <a:p>
-            <a:pPr marL="285840" indent="-280080">
+            <a:pPr marL="285840" indent="-279720">
               <a:lnSpc>
                 <a:spcPct val="120000"/>
               </a:lnSpc>
@@ -5605,18 +5994,8 @@
                 <a:latin typeface="Arial"/>
                 <a:ea typeface="DejaVu Sans"/>
               </a:rPr>
-              <a:t>Suggestion: put the type strings in a constant which you export, so you can use the same strings later</a:t>
-            </a:r>
-            <a:endParaRPr b="0" lang="en-US" sz="1500" spc="-1" strike="noStrike">
-              <a:latin typeface="Arial"/>
-            </a:endParaRPr>
-          </a:p>
-          <a:p>
-            <a:pPr>
-              <a:lnSpc>
-                <a:spcPct val="120000"/>
-              </a:lnSpc>
-            </a:pPr>
+              <a:t>Bonus: add a create new user page at `/register`</a:t>
+            </a:r>
             <a:endParaRPr b="0" lang="en-US" sz="1500" spc="-1" strike="noStrike">
               <a:latin typeface="Arial"/>
             </a:endParaRPr>
@@ -5684,14 +6063,14 @@
       </p:grpSpPr>
       <p:sp>
         <p:nvSpPr>
-          <p:cNvPr id="167" name="CustomShape 1"/>
+          <p:cNvPr id="199" name="CustomShape 1"/>
           <p:cNvSpPr/>
           <p:nvPr/>
         </p:nvSpPr>
         <p:spPr>
           <a:xfrm>
             <a:off x="720000" y="288000"/>
-            <a:ext cx="6618240" cy="498240"/>
+            <a:ext cx="6617880" cy="497880"/>
           </a:xfrm>
           <a:prstGeom prst="rect">
             <a:avLst/>
@@ -5723,7 +6102,7 @@
                 <a:latin typeface="Arial"/>
                 <a:ea typeface="DejaVu Sans"/>
               </a:rPr>
-              <a:t>Hands-on: Redux reducer</a:t>
+              <a:t>Hands-on: Redux actions</a:t>
             </a:r>
             <a:endParaRPr b="0" lang="en-US" sz="1800" spc="-1" strike="noStrike">
               <a:latin typeface="Arial"/>
@@ -5733,14 +6112,14 @@
       </p:sp>
       <p:sp>
         <p:nvSpPr>
-          <p:cNvPr id="168" name="CustomShape 2"/>
+          <p:cNvPr id="200" name="CustomShape 2"/>
           <p:cNvSpPr/>
           <p:nvPr/>
         </p:nvSpPr>
         <p:spPr>
           <a:xfrm>
             <a:off x="4968000" y="5004000"/>
-            <a:ext cx="3234240" cy="102240"/>
+            <a:ext cx="3233880" cy="101880"/>
           </a:xfrm>
           <a:prstGeom prst="rect">
             <a:avLst/>
@@ -5782,14 +6161,14 @@
       </p:sp>
       <p:sp>
         <p:nvSpPr>
-          <p:cNvPr id="169" name="CustomShape 3"/>
+          <p:cNvPr id="201" name="CustomShape 3"/>
           <p:cNvSpPr/>
           <p:nvPr/>
         </p:nvSpPr>
         <p:spPr>
           <a:xfrm>
             <a:off x="8280000" y="5004000"/>
-            <a:ext cx="138240" cy="102240"/>
+            <a:ext cx="137880" cy="101880"/>
           </a:xfrm>
           <a:prstGeom prst="rect">
             <a:avLst/>
@@ -5813,7 +6192,7 @@
                 <a:spcPct val="100000"/>
               </a:lnSpc>
             </a:pPr>
-            <a:fld id="{1896BEFD-F1B2-45AA-AD38-020061A0867F}" type="slidenum">
+            <a:fld id="{CD1EACA6-9DD8-4981-8010-C7210921B1BE}" type="slidenum">
               <a:rPr b="0" lang="en-US" sz="600" spc="-1" strike="noStrike">
                 <a:solidFill>
                   <a:srgbClr val="ffffff"/>
@@ -5821,7 +6200,7 @@
                 <a:latin typeface="Arial"/>
                 <a:ea typeface="DejaVu Sans"/>
               </a:rPr>
-              <a:t>1</a:t>
+              <a:t>&lt;number&gt;</a:t>
             </a:fld>
             <a:endParaRPr b="0" lang="en-US" sz="600" spc="-1" strike="noStrike">
               <a:latin typeface="Arial"/>
@@ -5831,14 +6210,14 @@
       </p:sp>
       <p:sp>
         <p:nvSpPr>
-          <p:cNvPr id="170" name="CustomShape 4"/>
+          <p:cNvPr id="202" name="CustomShape 4"/>
           <p:cNvSpPr/>
           <p:nvPr/>
         </p:nvSpPr>
         <p:spPr>
           <a:xfrm>
             <a:off x="640080" y="780840"/>
-            <a:ext cx="6618240" cy="3881520"/>
+            <a:ext cx="6617880" cy="3881160"/>
           </a:xfrm>
           <a:prstGeom prst="rect">
             <a:avLst/>
@@ -5867,7 +6246,7 @@
             </a:endParaRPr>
           </a:p>
           <a:p>
-            <a:pPr marL="285840" indent="-280080">
+            <a:pPr marL="285840" indent="-279720">
               <a:lnSpc>
                 <a:spcPct val="120000"/>
               </a:lnSpc>
@@ -5885,14 +6264,34 @@
                 <a:latin typeface="Arial"/>
                 <a:ea typeface="DejaVu Sans"/>
               </a:rPr>
-              <a:t>Create a file: src/store/accommodations/reducer.js</a:t>
+              <a:t>Create a file: src/store/accommodations/actions.js</a:t>
             </a:r>
             <a:endParaRPr b="0" lang="en-US" sz="1500" spc="-1" strike="noStrike">
               <a:latin typeface="Arial"/>
             </a:endParaRPr>
           </a:p>
           <a:p>
-            <a:pPr marL="285840" indent="-280080">
+            <a:pPr>
+              <a:lnSpc>
+                <a:spcPct val="120000"/>
+              </a:lnSpc>
+            </a:pPr>
+            <a:r>
+              <a:rPr b="0" lang="en-US" sz="1500" spc="-1" strike="noStrike">
+                <a:solidFill>
+                  <a:srgbClr val="000000"/>
+                </a:solidFill>
+                <a:latin typeface="Arial"/>
+                <a:ea typeface="DejaVu Sans"/>
+              </a:rPr>
+              <a:t>Export a function getAllAccommodations which returns an async function  which takes a parameter called dispatch. HINT: this async means you will want to use `await`. </a:t>
+            </a:r>
+            <a:endParaRPr b="0" lang="en-US" sz="1500" spc="-1" strike="noStrike">
+              <a:latin typeface="Arial"/>
+            </a:endParaRPr>
+          </a:p>
+          <a:p>
+            <a:pPr marL="285840" indent="-279720">
               <a:lnSpc>
                 <a:spcPct val="120000"/>
               </a:lnSpc>
@@ -5910,14 +6309,14 @@
                 <a:latin typeface="Arial"/>
                 <a:ea typeface="DejaVu Sans"/>
               </a:rPr>
-              <a:t>Add the reducer function</a:t>
+              <a:t>In the returned function, dispatch an object with the attribute type set to “REQUEST_ACCOMMODATIONS”</a:t>
             </a:r>
             <a:endParaRPr b="0" lang="en-US" sz="1500" spc="-1" strike="noStrike">
               <a:latin typeface="Arial"/>
             </a:endParaRPr>
           </a:p>
           <a:p>
-            <a:pPr marL="285840" indent="-280080">
+            <a:pPr marL="285840" indent="-279720">
               <a:lnSpc>
                 <a:spcPct val="120000"/>
               </a:lnSpc>
@@ -5935,14 +6334,14 @@
                 <a:latin typeface="Arial"/>
                 <a:ea typeface="DejaVu Sans"/>
               </a:rPr>
-              <a:t>It takes a state (default empty array) and an action (default empty object)</a:t>
+              <a:t>Move the accommodations fetch from Accommodations.js to here</a:t>
             </a:r>
             <a:endParaRPr b="0" lang="en-US" sz="1500" spc="-1" strike="noStrike">
               <a:latin typeface="Arial"/>
             </a:endParaRPr>
           </a:p>
           <a:p>
-            <a:pPr marL="285840" indent="-280080">
+            <a:pPr marL="285840" indent="-279720">
               <a:lnSpc>
                 <a:spcPct val="120000"/>
               </a:lnSpc>
@@ -5960,14 +6359,24 @@
                 <a:latin typeface="Arial"/>
                 <a:ea typeface="DejaVu Sans"/>
               </a:rPr>
-              <a:t>It contains a switch for the action.type</a:t>
+              <a:t>If the Fetch is successful dispatch a second object with type “RECEIVE_ACCOMMODATIONS” and  the accommodations as payload. If the Fetch is unsuccessful dispatch an object with type “ERROR_ACCOMMODATIONS”</a:t>
             </a:r>
             <a:endParaRPr b="0" lang="en-US" sz="1500" spc="-1" strike="noStrike">
               <a:latin typeface="Arial"/>
             </a:endParaRPr>
           </a:p>
           <a:p>
-            <a:pPr marL="285840" indent="-280080">
+            <a:pPr>
+              <a:lnSpc>
+                <a:spcPct val="120000"/>
+              </a:lnSpc>
+            </a:pPr>
+            <a:endParaRPr b="0" lang="en-US" sz="1500" spc="-1" strike="noStrike">
+              <a:latin typeface="Arial"/>
+            </a:endParaRPr>
+          </a:p>
+          <a:p>
+            <a:pPr marL="285840" indent="-279720">
               <a:lnSpc>
                 <a:spcPct val="120000"/>
               </a:lnSpc>
@@ -5985,82 +6394,7 @@
                 <a:latin typeface="Arial"/>
                 <a:ea typeface="DejaVu Sans"/>
               </a:rPr>
-              <a:t>By default it returns the state</a:t>
-            </a:r>
-            <a:endParaRPr b="0" lang="en-US" sz="1500" spc="-1" strike="noStrike">
-              <a:latin typeface="Arial"/>
-            </a:endParaRPr>
-          </a:p>
-          <a:p>
-            <a:pPr marL="285840" indent="-280080">
-              <a:lnSpc>
-                <a:spcPct val="120000"/>
-              </a:lnSpc>
-              <a:buClr>
-                <a:srgbClr val="000000"/>
-              </a:buClr>
-              <a:buFont typeface="Arial"/>
-              <a:buChar char="•"/>
-            </a:pPr>
-            <a:r>
-              <a:rPr b="0" lang="en-US" sz="1500" spc="-1" strike="noStrike">
-                <a:solidFill>
-                  <a:srgbClr val="000000"/>
-                </a:solidFill>
-                <a:latin typeface="Arial"/>
-                <a:ea typeface="DejaVu Sans"/>
-              </a:rPr>
-              <a:t>Add a case for ‘REQUEST_ACCOMMODATIONS’, ‘ERROR_ACCOMMODATIONS’ and ‘RECEIVE_ACCOMMODATIONS’</a:t>
-            </a:r>
-            <a:endParaRPr b="0" lang="en-US" sz="1500" spc="-1" strike="noStrike">
-              <a:latin typeface="Arial"/>
-            </a:endParaRPr>
-          </a:p>
-          <a:p>
-            <a:pPr marL="285840" indent="-280080">
-              <a:lnSpc>
-                <a:spcPct val="120000"/>
-              </a:lnSpc>
-              <a:buClr>
-                <a:srgbClr val="000000"/>
-              </a:buClr>
-              <a:buFont typeface="Arial"/>
-              <a:buChar char="•"/>
-            </a:pPr>
-            <a:r>
-              <a:rPr b="0" lang="en-US" sz="1500" spc="-1" strike="noStrike">
-                <a:solidFill>
-                  <a:srgbClr val="000000"/>
-                </a:solidFill>
-                <a:latin typeface="Arial"/>
-                <a:ea typeface="DejaVu Sans"/>
-              </a:rPr>
-              <a:t>In the request and error case return state</a:t>
-            </a:r>
-            <a:endParaRPr b="0" lang="en-US" sz="1500" spc="-1" strike="noStrike">
-              <a:latin typeface="Arial"/>
-            </a:endParaRPr>
-          </a:p>
-          <a:p>
-            <a:pPr marL="285840" indent="-280080">
-              <a:lnSpc>
-                <a:spcPct val="120000"/>
-              </a:lnSpc>
-              <a:buClr>
-                <a:srgbClr val="000000"/>
-              </a:buClr>
-              <a:buFont typeface="Arial"/>
-              <a:buChar char="•"/>
-            </a:pPr>
-            <a:r>
-              <a:rPr b="0" lang="en-US" sz="1500" spc="-1" strike="noStrike">
-                <a:solidFill>
-                  <a:srgbClr val="000000"/>
-                </a:solidFill>
-                <a:latin typeface="Arial"/>
-                <a:ea typeface="DejaVu Sans"/>
-              </a:rPr>
-              <a:t>In the receive case put the accommodations you just fetched in the state</a:t>
+              <a:t>Suggestion: put the type strings in a constant which you export, so you can use the same strings later</a:t>
             </a:r>
             <a:endParaRPr b="0" lang="en-US" sz="1500" spc="-1" strike="noStrike">
               <a:latin typeface="Arial"/>
@@ -6139,14 +6473,14 @@
       </p:grpSpPr>
       <p:sp>
         <p:nvSpPr>
-          <p:cNvPr id="171" name="CustomShape 1"/>
+          <p:cNvPr id="203" name="CustomShape 1"/>
           <p:cNvSpPr/>
           <p:nvPr/>
         </p:nvSpPr>
         <p:spPr>
           <a:xfrm>
             <a:off x="720000" y="288000"/>
-            <a:ext cx="6618240" cy="498240"/>
+            <a:ext cx="6617880" cy="497880"/>
           </a:xfrm>
           <a:prstGeom prst="rect">
             <a:avLst/>
@@ -6178,7 +6512,7 @@
                 <a:latin typeface="Arial"/>
                 <a:ea typeface="DejaVu Sans"/>
               </a:rPr>
-              <a:t>Hands-on: Redux store</a:t>
+              <a:t>Hands-on: Redux reducer</a:t>
             </a:r>
             <a:endParaRPr b="0" lang="en-US" sz="1800" spc="-1" strike="noStrike">
               <a:latin typeface="Arial"/>
@@ -6188,14 +6522,14 @@
       </p:sp>
       <p:sp>
         <p:nvSpPr>
-          <p:cNvPr id="172" name="CustomShape 2"/>
+          <p:cNvPr id="204" name="CustomShape 2"/>
           <p:cNvSpPr/>
           <p:nvPr/>
         </p:nvSpPr>
         <p:spPr>
           <a:xfrm>
             <a:off x="4968000" y="5004000"/>
-            <a:ext cx="3234240" cy="102240"/>
+            <a:ext cx="3233880" cy="101880"/>
           </a:xfrm>
           <a:prstGeom prst="rect">
             <a:avLst/>
@@ -6237,14 +6571,14 @@
       </p:sp>
       <p:sp>
         <p:nvSpPr>
-          <p:cNvPr id="173" name="CustomShape 3"/>
+          <p:cNvPr id="205" name="CustomShape 3"/>
           <p:cNvSpPr/>
           <p:nvPr/>
         </p:nvSpPr>
         <p:spPr>
           <a:xfrm>
             <a:off x="8280000" y="5004000"/>
-            <a:ext cx="138240" cy="102240"/>
+            <a:ext cx="137880" cy="101880"/>
           </a:xfrm>
           <a:prstGeom prst="rect">
             <a:avLst/>
@@ -6268,7 +6602,7 @@
                 <a:spcPct val="100000"/>
               </a:lnSpc>
             </a:pPr>
-            <a:fld id="{9C4030C5-CEC6-4A5E-A20B-2C13329050B6}" type="slidenum">
+            <a:fld id="{2E498AB3-D028-4953-A5B3-47330D72312A}" type="slidenum">
               <a:rPr b="0" lang="en-US" sz="600" spc="-1" strike="noStrike">
                 <a:solidFill>
                   <a:srgbClr val="ffffff"/>
@@ -6276,7 +6610,7 @@
                 <a:latin typeface="Arial"/>
                 <a:ea typeface="DejaVu Sans"/>
               </a:rPr>
-              <a:t>1</a:t>
+              <a:t>&lt;number&gt;</a:t>
             </a:fld>
             <a:endParaRPr b="0" lang="en-US" sz="600" spc="-1" strike="noStrike">
               <a:latin typeface="Arial"/>
@@ -6286,14 +6620,14 @@
       </p:sp>
       <p:sp>
         <p:nvSpPr>
-          <p:cNvPr id="174" name="CustomShape 4"/>
+          <p:cNvPr id="206" name="CustomShape 4"/>
           <p:cNvSpPr/>
           <p:nvPr/>
         </p:nvSpPr>
         <p:spPr>
           <a:xfrm>
-            <a:off x="640080" y="822960"/>
-            <a:ext cx="6618240" cy="3881520"/>
+            <a:off x="640080" y="780840"/>
+            <a:ext cx="6617880" cy="3881160"/>
           </a:xfrm>
           <a:prstGeom prst="rect">
             <a:avLst/>
@@ -6322,7 +6656,7 @@
             </a:endParaRPr>
           </a:p>
           <a:p>
-            <a:pPr marL="285840" indent="-280080">
+            <a:pPr marL="285840" indent="-279720">
               <a:lnSpc>
                 <a:spcPct val="120000"/>
               </a:lnSpc>
@@ -6340,84 +6674,14 @@
                 <a:latin typeface="Arial"/>
                 <a:ea typeface="DejaVu Sans"/>
               </a:rPr>
-              <a:t>Create a store configuration file in src/store:</a:t>
+              <a:t>Create a file: src/store/accommodations/reducer.js</a:t>
             </a:r>
             <a:endParaRPr b="0" lang="en-US" sz="1500" spc="-1" strike="noStrike">
               <a:latin typeface="Arial"/>
             </a:endParaRPr>
           </a:p>
           <a:p>
-            <a:pPr>
-              <a:lnSpc>
-                <a:spcPct val="120000"/>
-              </a:lnSpc>
-            </a:pPr>
-            <a:endParaRPr b="0" lang="en-US" sz="1500" spc="-1" strike="noStrike">
-              <a:latin typeface="Arial"/>
-            </a:endParaRPr>
-          </a:p>
-          <a:p>
-            <a:pPr>
-              <a:lnSpc>
-                <a:spcPct val="120000"/>
-              </a:lnSpc>
-            </a:pPr>
-            <a:endParaRPr b="0" lang="en-US" sz="1500" spc="-1" strike="noStrike">
-              <a:latin typeface="Arial"/>
-            </a:endParaRPr>
-          </a:p>
-          <a:p>
-            <a:pPr>
-              <a:lnSpc>
-                <a:spcPct val="120000"/>
-              </a:lnSpc>
-            </a:pPr>
-            <a:endParaRPr b="0" lang="en-US" sz="1500" spc="-1" strike="noStrike">
-              <a:latin typeface="Arial"/>
-            </a:endParaRPr>
-          </a:p>
-          <a:p>
-            <a:pPr>
-              <a:lnSpc>
-                <a:spcPct val="120000"/>
-              </a:lnSpc>
-            </a:pPr>
-            <a:endParaRPr b="0" lang="en-US" sz="1500" spc="-1" strike="noStrike">
-              <a:latin typeface="Arial"/>
-            </a:endParaRPr>
-          </a:p>
-          <a:p>
-            <a:pPr>
-              <a:lnSpc>
-                <a:spcPct val="120000"/>
-              </a:lnSpc>
-            </a:pPr>
-            <a:endParaRPr b="0" lang="en-US" sz="1500" spc="-1" strike="noStrike">
-              <a:latin typeface="Arial"/>
-            </a:endParaRPr>
-          </a:p>
-          <a:p>
-            <a:pPr>
-              <a:lnSpc>
-                <a:spcPct val="120000"/>
-              </a:lnSpc>
-            </a:pPr>
-            <a:endParaRPr b="0" lang="en-US" sz="1500" spc="-1" strike="noStrike">
-              <a:latin typeface="Arial"/>
-            </a:endParaRPr>
-          </a:p>
-          <a:p>
-            <a:pPr>
-              <a:lnSpc>
-                <a:spcPct val="120000"/>
-              </a:lnSpc>
-            </a:pPr>
-            <a:endParaRPr b="0" lang="en-US" sz="1500" spc="-1" strike="noStrike">
-              <a:latin typeface="Arial"/>
-            </a:endParaRPr>
-          </a:p>
-          <a:p>
-            <a:pPr marL="285840" indent="-280080">
+            <a:pPr marL="285840" indent="-279720">
               <a:lnSpc>
                 <a:spcPct val="120000"/>
               </a:lnSpc>
@@ -6427,12 +6691,22 @@
               <a:buFont typeface="Arial"/>
               <a:buChar char="•"/>
             </a:pPr>
+            <a:r>
+              <a:rPr b="0" lang="en-US" sz="1500" spc="-1" strike="noStrike">
+                <a:solidFill>
+                  <a:srgbClr val="000000"/>
+                </a:solidFill>
+                <a:latin typeface="Arial"/>
+                <a:ea typeface="DejaVu Sans"/>
+              </a:rPr>
+              <a:t>Add the reducer function</a:t>
+            </a:r>
             <a:endParaRPr b="0" lang="en-US" sz="1500" spc="-1" strike="noStrike">
               <a:latin typeface="Arial"/>
             </a:endParaRPr>
           </a:p>
           <a:p>
-            <a:pPr marL="285840" indent="-280080">
+            <a:pPr marL="285840" indent="-279720">
               <a:lnSpc>
                 <a:spcPct val="120000"/>
               </a:lnSpc>
@@ -6450,13 +6724,138 @@
                 <a:latin typeface="Arial"/>
                 <a:ea typeface="DejaVu Sans"/>
               </a:rPr>
-              <a:t>Initialize and provide the store by assigning the return from configureStore() to a constant in your App.js. Wrap &lt;Provider /&gt; from react-redux around the rest of your app. </a:t>
+              <a:t>It takes a state (default empty array) and an action (default empty object)</a:t>
             </a:r>
             <a:endParaRPr b="0" lang="en-US" sz="1500" spc="-1" strike="noStrike">
               <a:latin typeface="Arial"/>
             </a:endParaRPr>
           </a:p>
           <a:p>
+            <a:pPr marL="285840" indent="-279720">
+              <a:lnSpc>
+                <a:spcPct val="120000"/>
+              </a:lnSpc>
+              <a:buClr>
+                <a:srgbClr val="000000"/>
+              </a:buClr>
+              <a:buFont typeface="Arial"/>
+              <a:buChar char="•"/>
+            </a:pPr>
+            <a:r>
+              <a:rPr b="0" lang="en-US" sz="1500" spc="-1" strike="noStrike">
+                <a:solidFill>
+                  <a:srgbClr val="000000"/>
+                </a:solidFill>
+                <a:latin typeface="Arial"/>
+                <a:ea typeface="DejaVu Sans"/>
+              </a:rPr>
+              <a:t>It contains a switch for the action.type</a:t>
+            </a:r>
+            <a:endParaRPr b="0" lang="en-US" sz="1500" spc="-1" strike="noStrike">
+              <a:latin typeface="Arial"/>
+            </a:endParaRPr>
+          </a:p>
+          <a:p>
+            <a:pPr marL="285840" indent="-279720">
+              <a:lnSpc>
+                <a:spcPct val="120000"/>
+              </a:lnSpc>
+              <a:buClr>
+                <a:srgbClr val="000000"/>
+              </a:buClr>
+              <a:buFont typeface="Arial"/>
+              <a:buChar char="•"/>
+            </a:pPr>
+            <a:r>
+              <a:rPr b="0" lang="en-US" sz="1500" spc="-1" strike="noStrike">
+                <a:solidFill>
+                  <a:srgbClr val="000000"/>
+                </a:solidFill>
+                <a:latin typeface="Arial"/>
+                <a:ea typeface="DejaVu Sans"/>
+              </a:rPr>
+              <a:t>By default it returns the state</a:t>
+            </a:r>
+            <a:endParaRPr b="0" lang="en-US" sz="1500" spc="-1" strike="noStrike">
+              <a:latin typeface="Arial"/>
+            </a:endParaRPr>
+          </a:p>
+          <a:p>
+            <a:pPr marL="285840" indent="-279720">
+              <a:lnSpc>
+                <a:spcPct val="120000"/>
+              </a:lnSpc>
+              <a:buClr>
+                <a:srgbClr val="000000"/>
+              </a:buClr>
+              <a:buFont typeface="Arial"/>
+              <a:buChar char="•"/>
+            </a:pPr>
+            <a:r>
+              <a:rPr b="0" lang="en-US" sz="1500" spc="-1" strike="noStrike">
+                <a:solidFill>
+                  <a:srgbClr val="000000"/>
+                </a:solidFill>
+                <a:latin typeface="Arial"/>
+                <a:ea typeface="DejaVu Sans"/>
+              </a:rPr>
+              <a:t>Add a case for ‘REQUEST_ACCOMMODATIONS’, ‘ERROR_ACCOMMODATIONS’ and ‘RECEIVE_ACCOMMODATIONS’</a:t>
+            </a:r>
+            <a:endParaRPr b="0" lang="en-US" sz="1500" spc="-1" strike="noStrike">
+              <a:latin typeface="Arial"/>
+            </a:endParaRPr>
+          </a:p>
+          <a:p>
+            <a:pPr marL="285840" indent="-279720">
+              <a:lnSpc>
+                <a:spcPct val="120000"/>
+              </a:lnSpc>
+              <a:buClr>
+                <a:srgbClr val="000000"/>
+              </a:buClr>
+              <a:buFont typeface="Arial"/>
+              <a:buChar char="•"/>
+            </a:pPr>
+            <a:r>
+              <a:rPr b="0" lang="en-US" sz="1500" spc="-1" strike="noStrike">
+                <a:solidFill>
+                  <a:srgbClr val="000000"/>
+                </a:solidFill>
+                <a:latin typeface="Arial"/>
+                <a:ea typeface="DejaVu Sans"/>
+              </a:rPr>
+              <a:t>In the request and error case return state</a:t>
+            </a:r>
+            <a:endParaRPr b="0" lang="en-US" sz="1500" spc="-1" strike="noStrike">
+              <a:latin typeface="Arial"/>
+            </a:endParaRPr>
+          </a:p>
+          <a:p>
+            <a:pPr marL="285840" indent="-279720">
+              <a:lnSpc>
+                <a:spcPct val="120000"/>
+              </a:lnSpc>
+              <a:buClr>
+                <a:srgbClr val="000000"/>
+              </a:buClr>
+              <a:buFont typeface="Arial"/>
+              <a:buChar char="•"/>
+            </a:pPr>
+            <a:r>
+              <a:rPr b="0" lang="en-US" sz="1500" spc="-1" strike="noStrike">
+                <a:solidFill>
+                  <a:srgbClr val="000000"/>
+                </a:solidFill>
+                <a:latin typeface="Arial"/>
+                <a:ea typeface="DejaVu Sans"/>
+              </a:rPr>
+              <a:t>In the receive case put the accommodations you just fetched in the state</a:t>
+            </a:r>
+            <a:endParaRPr b="0" lang="en-US" sz="1500" spc="-1" strike="noStrike">
+              <a:latin typeface="Arial"/>
+            </a:endParaRPr>
+          </a:p>
+          <a:p>
             <a:pPr>
               <a:lnSpc>
                 <a:spcPct val="120000"/>
@@ -6466,31 +6865,18 @@
               <a:latin typeface="Arial"/>
             </a:endParaRPr>
           </a:p>
-        </p:txBody>
-      </p:sp>
-      <p:pic>
-        <p:nvPicPr>
-          <p:cNvPr id="175" name="" descr=""/>
-          <p:cNvPicPr/>
-          <p:nvPr/>
-        </p:nvPicPr>
-        <p:blipFill>
-          <a:blip r:embed="rId1"/>
-          <a:stretch/>
-        </p:blipFill>
-        <p:spPr>
-          <a:xfrm>
-            <a:off x="1005840" y="1451880"/>
-            <a:ext cx="6476760" cy="2114280"/>
-          </a:xfrm>
-          <a:prstGeom prst="rect">
-            <a:avLst/>
-          </a:prstGeom>
-          <a:ln>
-            <a:noFill/>
-          </a:ln>
-        </p:spPr>
-      </p:pic>
+          <a:p>
+            <a:pPr>
+              <a:lnSpc>
+                <a:spcPct val="120000"/>
+              </a:lnSpc>
+            </a:pPr>
+            <a:endParaRPr b="0" lang="en-US" sz="1500" spc="-1" strike="noStrike">
+              <a:latin typeface="Arial"/>
+            </a:endParaRPr>
+          </a:p>
+        </p:txBody>
+      </p:sp>
     </p:spTree>
   </p:cSld>
   <p:timing>
@@ -6500,6 +6886,404 @@
           <p:childTnLst>
             <p:seq>
               <p:cTn id="24" dur="indefinite" nodeType="mainSeq"/>
+              <p:prevCondLst>
+                <p:cond delay="0" evt="onPrev">
+                  <p:tgtEl>
+                    <p:sldTgt/>
+                  </p:tgtEl>
+                </p:cond>
+              </p:prevCondLst>
+              <p:nextCondLst>
+                <p:cond delay="0" evt="onNext">
+                  <p:tgtEl>
+                    <p:sldTgt/>
+                  </p:tgtEl>
+                </p:cond>
+              </p:nextCondLst>
+            </p:seq>
+          </p:childTnLst>
+        </p:cTn>
+      </p:par>
+    </p:tnLst>
+  </p:timing>
+</p:sld>
+</file>
+
+<file path=ppt/slides/slide13.xml><?xml version="1.0" encoding="utf-8"?>
+<p:sld xmlns:a="http://schemas.openxmlformats.org/drawingml/2006/main" xmlns:p="http://schemas.openxmlformats.org/presentationml/2006/main" xmlns:r="http://schemas.openxmlformats.org/officeDocument/2006/relationships" xmlns:p14="http://schemas.microsoft.com/office/powerpoint/2010/main" xmlns:p15="http://schemas.microsoft.com/office/powerpoint/2012/main" xmlns:mc="http://schemas.openxmlformats.org/markup-compatibility/2006">
+  <p:cSld>
+    <p:spTree>
+      <p:nvGrpSpPr>
+        <p:cNvPr id="1" name=""/>
+        <p:cNvGrpSpPr/>
+        <p:nvPr/>
+      </p:nvGrpSpPr>
+      <p:grpSpPr>
+        <a:xfrm>
+          <a:off x="0" y="0"/>
+          <a:ext cx="0" cy="0"/>
+          <a:chOff x="0" y="0"/>
+          <a:chExt cx="0" cy="0"/>
+        </a:xfrm>
+      </p:grpSpPr>
+      <p:sp>
+        <p:nvSpPr>
+          <p:cNvPr id="207" name="CustomShape 1"/>
+          <p:cNvSpPr/>
+          <p:nvPr/>
+        </p:nvSpPr>
+        <p:spPr>
+          <a:xfrm>
+            <a:off x="720000" y="288000"/>
+            <a:ext cx="6617880" cy="497880"/>
+          </a:xfrm>
+          <a:prstGeom prst="rect">
+            <a:avLst/>
+          </a:prstGeom>
+          <a:noFill/>
+          <a:ln>
+            <a:noFill/>
+          </a:ln>
+        </p:spPr>
+        <p:style>
+          <a:lnRef idx="0"/>
+          <a:fillRef idx="0"/>
+          <a:effectRef idx="0"/>
+          <a:fontRef idx="minor"/>
+        </p:style>
+        <p:txBody>
+          <a:bodyPr lIns="0" rIns="0" tIns="0" bIns="0" anchor="ctr"/>
+          <a:p>
+            <a:pPr>
+              <a:lnSpc>
+                <a:spcPct val="85000"/>
+              </a:lnSpc>
+            </a:pPr>
+            <a:r>
+              <a:rPr b="1" lang="en-US" sz="1800" spc="-1" strike="noStrike">
+                <a:solidFill>
+                  <a:srgbClr val="e63232"/>
+                </a:solidFill>
+                <a:latin typeface="Arial"/>
+                <a:ea typeface="DejaVu Sans"/>
+              </a:rPr>
+              <a:t>Hands-on: Redux store</a:t>
+            </a:r>
+            <a:endParaRPr b="0" lang="en-US" sz="1800" spc="-1" strike="noStrike">
+              <a:latin typeface="Arial"/>
+            </a:endParaRPr>
+          </a:p>
+        </p:txBody>
+      </p:sp>
+      <p:sp>
+        <p:nvSpPr>
+          <p:cNvPr id="208" name="CustomShape 2"/>
+          <p:cNvSpPr/>
+          <p:nvPr/>
+        </p:nvSpPr>
+        <p:spPr>
+          <a:xfrm>
+            <a:off x="4968000" y="5004000"/>
+            <a:ext cx="3233880" cy="101880"/>
+          </a:xfrm>
+          <a:prstGeom prst="rect">
+            <a:avLst/>
+          </a:prstGeom>
+          <a:noFill/>
+          <a:ln>
+            <a:noFill/>
+          </a:ln>
+        </p:spPr>
+        <p:style>
+          <a:lnRef idx="0"/>
+          <a:fillRef idx="0"/>
+          <a:effectRef idx="0"/>
+          <a:fontRef idx="minor"/>
+        </p:style>
+        <p:txBody>
+          <a:bodyPr lIns="0" rIns="0" tIns="0" bIns="0"/>
+          <a:p>
+            <a:pPr algn="r">
+              <a:lnSpc>
+                <a:spcPct val="100000"/>
+              </a:lnSpc>
+            </a:pPr>
+            <a:r>
+              <a:rPr b="0" lang="en-US" sz="600" spc="-1" strike="noStrike">
+                <a:solidFill>
+                  <a:srgbClr val="ffffff"/>
+                </a:solidFill>
+                <a:latin typeface="Arial"/>
+                <a:ea typeface="DejaVu Sans"/>
+              </a:rPr>
+              <a:t>React</a:t>
+            </a:r>
+            <a:endParaRPr b="0" lang="en-US" sz="600" spc="-1" strike="noStrike">
+              <a:latin typeface="Arial"/>
+            </a:endParaRPr>
+          </a:p>
+        </p:txBody>
+      </p:sp>
+      <p:sp>
+        <p:nvSpPr>
+          <p:cNvPr id="209" name="CustomShape 3"/>
+          <p:cNvSpPr/>
+          <p:nvPr/>
+        </p:nvSpPr>
+        <p:spPr>
+          <a:xfrm>
+            <a:off x="8280000" y="5004000"/>
+            <a:ext cx="137880" cy="101880"/>
+          </a:xfrm>
+          <a:prstGeom prst="rect">
+            <a:avLst/>
+          </a:prstGeom>
+          <a:noFill/>
+          <a:ln>
+            <a:noFill/>
+          </a:ln>
+        </p:spPr>
+        <p:style>
+          <a:lnRef idx="0"/>
+          <a:fillRef idx="0"/>
+          <a:effectRef idx="0"/>
+          <a:fontRef idx="minor"/>
+        </p:style>
+        <p:txBody>
+          <a:bodyPr lIns="0" rIns="0" tIns="0" bIns="0"/>
+          <a:p>
+            <a:pPr algn="r">
+              <a:lnSpc>
+                <a:spcPct val="100000"/>
+              </a:lnSpc>
+            </a:pPr>
+            <a:fld id="{8696A560-AE8A-433F-8963-99F99DE5B06F}" type="slidenum">
+              <a:rPr b="0" lang="en-US" sz="600" spc="-1" strike="noStrike">
+                <a:solidFill>
+                  <a:srgbClr val="ffffff"/>
+                </a:solidFill>
+                <a:latin typeface="Arial"/>
+                <a:ea typeface="DejaVu Sans"/>
+              </a:rPr>
+              <a:t>&lt;number&gt;</a:t>
+            </a:fld>
+            <a:endParaRPr b="0" lang="en-US" sz="600" spc="-1" strike="noStrike">
+              <a:latin typeface="Arial"/>
+            </a:endParaRPr>
+          </a:p>
+        </p:txBody>
+      </p:sp>
+      <p:sp>
+        <p:nvSpPr>
+          <p:cNvPr id="210" name="CustomShape 4"/>
+          <p:cNvSpPr/>
+          <p:nvPr/>
+        </p:nvSpPr>
+        <p:spPr>
+          <a:xfrm>
+            <a:off x="640080" y="822960"/>
+            <a:ext cx="6617880" cy="3881160"/>
+          </a:xfrm>
+          <a:prstGeom prst="rect">
+            <a:avLst/>
+          </a:prstGeom>
+          <a:noFill/>
+          <a:ln>
+            <a:noFill/>
+          </a:ln>
+        </p:spPr>
+        <p:style>
+          <a:lnRef idx="0"/>
+          <a:fillRef idx="0"/>
+          <a:effectRef idx="0"/>
+          <a:fontRef idx="minor"/>
+        </p:style>
+        <p:txBody>
+          <a:bodyPr lIns="0" rIns="0" tIns="0" bIns="0"/>
+          <a:p>
+            <a:pPr>
+              <a:lnSpc>
+                <a:spcPct val="120000"/>
+              </a:lnSpc>
+            </a:pPr>
+            <a:endParaRPr b="0" lang="en-US" sz="1800" spc="-1" strike="noStrike">
+              <a:latin typeface="Arial"/>
+            </a:endParaRPr>
+          </a:p>
+          <a:p>
+            <a:pPr marL="285840" indent="-279720">
+              <a:lnSpc>
+                <a:spcPct val="120000"/>
+              </a:lnSpc>
+              <a:buClr>
+                <a:srgbClr val="000000"/>
+              </a:buClr>
+              <a:buFont typeface="Arial"/>
+              <a:buChar char="•"/>
+            </a:pPr>
+            <a:r>
+              <a:rPr b="0" lang="en-US" sz="1500" spc="-1" strike="noStrike">
+                <a:solidFill>
+                  <a:srgbClr val="000000"/>
+                </a:solidFill>
+                <a:latin typeface="Arial"/>
+                <a:ea typeface="DejaVu Sans"/>
+              </a:rPr>
+              <a:t>Create a store configuration file in src/store:</a:t>
+            </a:r>
+            <a:endParaRPr b="0" lang="en-US" sz="1500" spc="-1" strike="noStrike">
+              <a:latin typeface="Arial"/>
+            </a:endParaRPr>
+          </a:p>
+          <a:p>
+            <a:pPr>
+              <a:lnSpc>
+                <a:spcPct val="120000"/>
+              </a:lnSpc>
+            </a:pPr>
+            <a:endParaRPr b="0" lang="en-US" sz="1500" spc="-1" strike="noStrike">
+              <a:latin typeface="Arial"/>
+            </a:endParaRPr>
+          </a:p>
+          <a:p>
+            <a:pPr>
+              <a:lnSpc>
+                <a:spcPct val="120000"/>
+              </a:lnSpc>
+            </a:pPr>
+            <a:endParaRPr b="0" lang="en-US" sz="1500" spc="-1" strike="noStrike">
+              <a:latin typeface="Arial"/>
+            </a:endParaRPr>
+          </a:p>
+          <a:p>
+            <a:pPr>
+              <a:lnSpc>
+                <a:spcPct val="120000"/>
+              </a:lnSpc>
+            </a:pPr>
+            <a:endParaRPr b="0" lang="en-US" sz="1500" spc="-1" strike="noStrike">
+              <a:latin typeface="Arial"/>
+            </a:endParaRPr>
+          </a:p>
+          <a:p>
+            <a:pPr>
+              <a:lnSpc>
+                <a:spcPct val="120000"/>
+              </a:lnSpc>
+            </a:pPr>
+            <a:endParaRPr b="0" lang="en-US" sz="1500" spc="-1" strike="noStrike">
+              <a:latin typeface="Arial"/>
+            </a:endParaRPr>
+          </a:p>
+          <a:p>
+            <a:pPr>
+              <a:lnSpc>
+                <a:spcPct val="120000"/>
+              </a:lnSpc>
+            </a:pPr>
+            <a:endParaRPr b="0" lang="en-US" sz="1500" spc="-1" strike="noStrike">
+              <a:latin typeface="Arial"/>
+            </a:endParaRPr>
+          </a:p>
+          <a:p>
+            <a:pPr>
+              <a:lnSpc>
+                <a:spcPct val="120000"/>
+              </a:lnSpc>
+            </a:pPr>
+            <a:endParaRPr b="0" lang="en-US" sz="1500" spc="-1" strike="noStrike">
+              <a:latin typeface="Arial"/>
+            </a:endParaRPr>
+          </a:p>
+          <a:p>
+            <a:pPr>
+              <a:lnSpc>
+                <a:spcPct val="120000"/>
+              </a:lnSpc>
+            </a:pPr>
+            <a:endParaRPr b="0" lang="en-US" sz="1500" spc="-1" strike="noStrike">
+              <a:latin typeface="Arial"/>
+            </a:endParaRPr>
+          </a:p>
+          <a:p>
+            <a:pPr>
+              <a:lnSpc>
+                <a:spcPct val="120000"/>
+              </a:lnSpc>
+            </a:pPr>
+            <a:endParaRPr b="0" lang="en-US" sz="1500" spc="-1" strike="noStrike">
+              <a:latin typeface="Arial"/>
+            </a:endParaRPr>
+          </a:p>
+          <a:p>
+            <a:pPr marL="285840" indent="-279720">
+              <a:lnSpc>
+                <a:spcPct val="120000"/>
+              </a:lnSpc>
+              <a:buClr>
+                <a:srgbClr val="000000"/>
+              </a:buClr>
+              <a:buFont typeface="Arial"/>
+              <a:buChar char="•"/>
+            </a:pPr>
+            <a:r>
+              <a:rPr b="0" lang="en-US" sz="1500" spc="-1" strike="noStrike">
+                <a:solidFill>
+                  <a:srgbClr val="000000"/>
+                </a:solidFill>
+                <a:latin typeface="Arial"/>
+                <a:ea typeface="DejaVu Sans"/>
+              </a:rPr>
+              <a:t>Initialize and provide the store by assigning the return from configureStore() to a constant in your App.js. Wrap &lt;Provider /&gt; from react-redux around the rest of your app. </a:t>
+            </a:r>
+            <a:endParaRPr b="0" lang="en-US" sz="1500" spc="-1" strike="noStrike">
+              <a:latin typeface="Arial"/>
+            </a:endParaRPr>
+          </a:p>
+          <a:p>
+            <a:pPr>
+              <a:lnSpc>
+                <a:spcPct val="120000"/>
+              </a:lnSpc>
+            </a:pPr>
+            <a:endParaRPr b="0" lang="en-US" sz="1500" spc="-1" strike="noStrike">
+              <a:latin typeface="Arial"/>
+            </a:endParaRPr>
+          </a:p>
+        </p:txBody>
+      </p:sp>
+      <p:pic>
+        <p:nvPicPr>
+          <p:cNvPr id="211" name="" descr=""/>
+          <p:cNvPicPr/>
+          <p:nvPr/>
+        </p:nvPicPr>
+        <p:blipFill>
+          <a:blip r:embed="rId1"/>
+          <a:stretch/>
+        </p:blipFill>
+        <p:spPr>
+          <a:xfrm>
+            <a:off x="1005840" y="1451880"/>
+            <a:ext cx="6476400" cy="2113920"/>
+          </a:xfrm>
+          <a:prstGeom prst="rect">
+            <a:avLst/>
+          </a:prstGeom>
+          <a:ln>
+            <a:noFill/>
+          </a:ln>
+        </p:spPr>
+      </p:pic>
+    </p:spTree>
+  </p:cSld>
+  <p:timing>
+    <p:tnLst>
+      <p:par>
+        <p:cTn id="25" dur="indefinite" restart="never" nodeType="tmRoot">
+          <p:childTnLst>
+            <p:seq>
+              <p:cTn id="26" dur="indefinite" nodeType="mainSeq"/>
               <p:prevCondLst>
                 <p:cond delay="0" evt="onPrev">
                   <p:tgtEl>
@@ -6549,7 +7333,7 @@
         <p:spPr>
           <a:xfrm>
             <a:off x="720000" y="288000"/>
-            <a:ext cx="6618240" cy="498240"/>
+            <a:ext cx="6617880" cy="497880"/>
           </a:xfrm>
           <a:prstGeom prst="rect">
             <a:avLst/>
@@ -6598,7 +7382,7 @@
         <p:spPr>
           <a:xfrm>
             <a:off x="4968000" y="5004000"/>
-            <a:ext cx="3234240" cy="102240"/>
+            <a:ext cx="3233880" cy="101880"/>
           </a:xfrm>
           <a:prstGeom prst="rect">
             <a:avLst/>
@@ -6647,7 +7431,7 @@
         <p:spPr>
           <a:xfrm>
             <a:off x="8280000" y="5004000"/>
-            <a:ext cx="138240" cy="102240"/>
+            <a:ext cx="137880" cy="101880"/>
           </a:xfrm>
           <a:prstGeom prst="rect">
             <a:avLst/>
@@ -6671,7 +7455,7 @@
                 <a:spcPct val="100000"/>
               </a:lnSpc>
             </a:pPr>
-            <a:fld id="{2EFD041A-65BD-4CD6-BFB9-6D522066CC81}" type="slidenum">
+            <a:fld id="{B2947602-DFCA-4CC3-A0EE-D929A1A4D4B2}" type="slidenum">
               <a:rPr b="0" lang="en-US" sz="600" spc="-1" strike="noStrike">
                 <a:solidFill>
                   <a:srgbClr val="ffffff"/>
@@ -6696,7 +7480,7 @@
         <p:spPr>
           <a:xfrm>
             <a:off x="602640" y="504720"/>
-            <a:ext cx="6618240" cy="3881520"/>
+            <a:ext cx="6617880" cy="3881160"/>
           </a:xfrm>
           <a:prstGeom prst="rect">
             <a:avLst/>
@@ -6725,52 +7509,40 @@
             </a:endParaRPr>
           </a:p>
           <a:p>
-            <a:pPr marL="285840" indent="-280080">
+            <a:pPr>
               <a:lnSpc>
                 <a:spcPct val="120000"/>
               </a:lnSpc>
-              <a:buClr>
-                <a:srgbClr val="000000"/>
-              </a:buClr>
-              <a:buFont typeface="Arial"/>
-              <a:buChar char="•"/>
-            </a:pPr>
-            <a:r>
-              <a:rPr b="0" lang="en-US" sz="1500" spc="-1" strike="noStrike">
-                <a:solidFill>
-                  <a:srgbClr val="000000"/>
-                </a:solidFill>
-                <a:latin typeface="Arial"/>
-                <a:ea typeface="DejaVu Sans"/>
-              </a:rPr>
-              <a:t> </a:t>
-            </a:r>
-            <a:r>
-              <a:rPr b="0" lang="en-US" sz="1500" spc="-1" strike="noStrike">
-                <a:solidFill>
-                  <a:srgbClr val="000000"/>
-                </a:solidFill>
-                <a:latin typeface="Arial"/>
-                <a:ea typeface="DejaVu Sans"/>
-              </a:rPr>
-              <a:t>Props, State, Routes, Fetch</a:t>
-            </a:r>
-            <a:endParaRPr b="0" lang="en-US" sz="1500" spc="-1" strike="noStrike">
-              <a:latin typeface="Arial"/>
-            </a:endParaRPr>
-          </a:p>
-          <a:p>
-            <a:pPr>
-              <a:lnSpc>
-                <a:spcPct val="120000"/>
-              </a:lnSpc>
-            </a:pPr>
-            <a:endParaRPr b="0" lang="en-US" sz="1500" spc="-1" strike="noStrike">
-              <a:latin typeface="Arial"/>
-            </a:endParaRPr>
-          </a:p>
-        </p:txBody>
-      </p:sp>
+            </a:pPr>
+            <a:endParaRPr b="0" lang="en-US" sz="1800" spc="-1" strike="noStrike">
+              <a:latin typeface="Arial"/>
+            </a:endParaRPr>
+          </a:p>
+        </p:txBody>
+      </p:sp>
+      <p:pic>
+        <p:nvPicPr>
+          <p:cNvPr id="132" name="" descr=""/>
+          <p:cNvPicPr/>
+          <p:nvPr/>
+        </p:nvPicPr>
+        <p:blipFill>
+          <a:blip r:embed="rId1"/>
+          <a:stretch/>
+        </p:blipFill>
+        <p:spPr>
+          <a:xfrm>
+            <a:off x="2011680" y="731520"/>
+            <a:ext cx="5019480" cy="3790440"/>
+          </a:xfrm>
+          <a:prstGeom prst="rect">
+            <a:avLst/>
+          </a:prstGeom>
+          <a:ln>
+            <a:noFill/>
+          </a:ln>
+        </p:spPr>
+      </p:pic>
     </p:spTree>
   </p:cSld>
   <p:timing>
@@ -6822,14 +7594,14 @@
       </p:grpSpPr>
       <p:sp>
         <p:nvSpPr>
-          <p:cNvPr id="132" name="CustomShape 1"/>
+          <p:cNvPr id="133" name="CustomShape 1"/>
           <p:cNvSpPr/>
           <p:nvPr/>
         </p:nvSpPr>
         <p:spPr>
           <a:xfrm>
             <a:off x="720000" y="288000"/>
-            <a:ext cx="6618240" cy="498240"/>
+            <a:ext cx="6617880" cy="497880"/>
           </a:xfrm>
           <a:prstGeom prst="rect">
             <a:avLst/>
@@ -6871,14 +7643,14 @@
       </p:sp>
       <p:sp>
         <p:nvSpPr>
-          <p:cNvPr id="133" name="CustomShape 2"/>
+          <p:cNvPr id="134" name="CustomShape 2"/>
           <p:cNvSpPr/>
           <p:nvPr/>
         </p:nvSpPr>
         <p:spPr>
           <a:xfrm>
             <a:off x="4968000" y="5004000"/>
-            <a:ext cx="3234240" cy="102240"/>
+            <a:ext cx="3233880" cy="101880"/>
           </a:xfrm>
           <a:prstGeom prst="rect">
             <a:avLst/>
@@ -6920,14 +7692,14 @@
       </p:sp>
       <p:sp>
         <p:nvSpPr>
-          <p:cNvPr id="134" name="CustomShape 3"/>
+          <p:cNvPr id="135" name="CustomShape 3"/>
           <p:cNvSpPr/>
           <p:nvPr/>
         </p:nvSpPr>
         <p:spPr>
           <a:xfrm>
             <a:off x="8280000" y="5004000"/>
-            <a:ext cx="138240" cy="102240"/>
+            <a:ext cx="137880" cy="101880"/>
           </a:xfrm>
           <a:prstGeom prst="rect">
             <a:avLst/>
@@ -6951,7 +7723,7 @@
                 <a:spcPct val="100000"/>
               </a:lnSpc>
             </a:pPr>
-            <a:fld id="{50A33150-09E1-4DA7-AD64-9A938914FDD2}" type="slidenum">
+            <a:fld id="{800AB13D-63BF-4094-93E0-B0C4843C7386}" type="slidenum">
               <a:rPr b="0" lang="en-US" sz="600" spc="-1" strike="noStrike">
                 <a:solidFill>
                   <a:srgbClr val="ffffff"/>
@@ -6969,14 +7741,14 @@
       </p:sp>
       <p:sp>
         <p:nvSpPr>
-          <p:cNvPr id="135" name="CustomShape 4"/>
+          <p:cNvPr id="136" name="CustomShape 4"/>
           <p:cNvSpPr/>
           <p:nvPr/>
         </p:nvSpPr>
         <p:spPr>
           <a:xfrm>
             <a:off x="602640" y="504720"/>
-            <a:ext cx="6618240" cy="3881520"/>
+            <a:ext cx="6617880" cy="3881160"/>
           </a:xfrm>
           <a:prstGeom prst="rect">
             <a:avLst/>
@@ -7005,7 +7777,7 @@
             </a:endParaRPr>
           </a:p>
           <a:p>
-            <a:pPr marL="285840" indent="-280080">
+            <a:pPr marL="285840" indent="-279720">
               <a:lnSpc>
                 <a:spcPct val="120000"/>
               </a:lnSpc>
@@ -7023,14 +7795,14 @@
                 <a:latin typeface="Arial"/>
                 <a:ea typeface="DejaVu Sans"/>
               </a:rPr>
-              <a:t> </a:t>
+              <a:t>For when the same information is required in multiple far-removed components</a:t>
             </a:r>
             <a:endParaRPr b="0" lang="en-US" sz="1500" spc="-1" strike="noStrike">
               <a:latin typeface="Arial"/>
             </a:endParaRPr>
           </a:p>
           <a:p>
-            <a:pPr marL="285840" indent="-280080">
+            <a:pPr marL="285840" indent="-279720">
               <a:lnSpc>
                 <a:spcPct val="120000"/>
               </a:lnSpc>
@@ -7048,14 +7820,14 @@
                 <a:latin typeface="Arial"/>
                 <a:ea typeface="DejaVu Sans"/>
               </a:rPr>
-              <a:t>Notes: Export context API from it’s own separate file to prevent cyclic dependencies when using the contextType notation</a:t>
+              <a:t>Requires initialization, a provider and one or more consumers</a:t>
             </a:r>
             <a:endParaRPr b="0" lang="en-US" sz="1500" spc="-1" strike="noStrike">
               <a:latin typeface="Arial"/>
             </a:endParaRPr>
           </a:p>
           <a:p>
-            <a:pPr marL="285840" indent="-280080">
+            <a:pPr marL="285840" indent="-279720">
               <a:lnSpc>
                 <a:spcPct val="120000"/>
               </a:lnSpc>
@@ -7073,24 +7845,1052 @@
                 <a:latin typeface="Arial"/>
                 <a:ea typeface="DejaVu Sans"/>
               </a:rPr>
-              <a:t>If you want to pass functions, put them in state and pass the whole state object</a:t>
+              <a:t>Initialization is done outside of a component:</a:t>
             </a:r>
             <a:endParaRPr b="0" lang="en-US" sz="1500" spc="-1" strike="noStrike">
               <a:latin typeface="Arial"/>
             </a:endParaRPr>
           </a:p>
           <a:p>
+            <a:pPr marL="285840" indent="-279720">
+              <a:lnSpc>
+                <a:spcPct val="120000"/>
+              </a:lnSpc>
+              <a:buClr>
+                <a:srgbClr val="000000"/>
+              </a:buClr>
+              <a:buFont typeface="Arial"/>
+              <a:buChar char="•"/>
+            </a:pPr>
+            <a:r>
+              <a:rPr b="0" lang="en-US" sz="1500" spc="-1" strike="noStrike">
+                <a:solidFill>
+                  <a:srgbClr val="000000"/>
+                </a:solidFill>
+                <a:latin typeface="Arial"/>
+                <a:ea typeface="DejaVu Sans"/>
+              </a:rPr>
+              <a:t>The provider is passed the value: </a:t>
+            </a:r>
+            <a:endParaRPr b="0" lang="en-US" sz="1500" spc="-1" strike="noStrike">
+              <a:latin typeface="Arial"/>
+            </a:endParaRPr>
+          </a:p>
+          <a:p>
+            <a:pPr marL="285840" indent="-279720">
+              <a:lnSpc>
+                <a:spcPct val="120000"/>
+              </a:lnSpc>
+              <a:buClr>
+                <a:srgbClr val="000000"/>
+              </a:buClr>
+              <a:buFont typeface="Arial"/>
+              <a:buChar char="•"/>
+            </a:pPr>
+            <a:r>
+              <a:rPr b="0" lang="en-US" sz="1500" spc="-1" strike="noStrike">
+                <a:solidFill>
+                  <a:srgbClr val="000000"/>
+                </a:solidFill>
+                <a:latin typeface="Arial"/>
+                <a:ea typeface="DejaVu Sans"/>
+              </a:rPr>
+              <a:t>Child of Consumer is a function:</a:t>
+            </a:r>
+            <a:endParaRPr b="0" lang="en-US" sz="1500" spc="-1" strike="noStrike">
+              <a:latin typeface="Arial"/>
+            </a:endParaRPr>
+          </a:p>
+          <a:p>
+            <a:pPr marL="285840" indent="-279720">
+              <a:lnSpc>
+                <a:spcPct val="120000"/>
+              </a:lnSpc>
+              <a:buClr>
+                <a:srgbClr val="000000"/>
+              </a:buClr>
+              <a:buFont typeface="Arial"/>
+              <a:buChar char="•"/>
+            </a:pPr>
+            <a:endParaRPr b="0" lang="en-US" sz="1500" spc="-1" strike="noStrike">
+              <a:latin typeface="Arial"/>
+            </a:endParaRPr>
+          </a:p>
+          <a:p>
+            <a:pPr marL="285840" indent="-279720">
+              <a:lnSpc>
+                <a:spcPct val="120000"/>
+              </a:lnSpc>
+              <a:buClr>
+                <a:srgbClr val="000000"/>
+              </a:buClr>
+              <a:buFont typeface="Arial"/>
+              <a:buChar char="•"/>
+            </a:pPr>
+            <a:r>
+              <a:rPr b="0" lang="en-US" sz="1500" spc="-1" strike="noStrike">
+                <a:solidFill>
+                  <a:srgbClr val="000000"/>
+                </a:solidFill>
+                <a:latin typeface="Arial"/>
+                <a:ea typeface="DejaVu Sans"/>
+              </a:rPr>
+              <a:t>If you want your context available outside of the render method, set the classes contextType below the class: </a:t>
+            </a:r>
+            <a:endParaRPr b="0" lang="en-US" sz="1500" spc="-1" strike="noStrike">
+              <a:latin typeface="Arial"/>
+            </a:endParaRPr>
+          </a:p>
+          <a:p>
+            <a:pPr marL="285840" indent="-279720">
+              <a:lnSpc>
+                <a:spcPct val="120000"/>
+              </a:lnSpc>
+              <a:buClr>
+                <a:srgbClr val="000000"/>
+              </a:buClr>
+              <a:buFont typeface="Arial"/>
+              <a:buChar char="•"/>
+            </a:pPr>
+            <a:endParaRPr b="0" lang="en-US" sz="1500" spc="-1" strike="noStrike">
+              <a:latin typeface="Arial"/>
+            </a:endParaRPr>
+          </a:p>
+          <a:p>
+            <a:pPr marL="285840" indent="-279720">
+              <a:lnSpc>
+                <a:spcPct val="120000"/>
+              </a:lnSpc>
+              <a:buClr>
+                <a:srgbClr val="000000"/>
+              </a:buClr>
+              <a:buFont typeface="Arial"/>
+              <a:buChar char="•"/>
+            </a:pPr>
+            <a:r>
+              <a:rPr b="0" lang="en-US" sz="1500" spc="-1" strike="noStrike">
+                <a:solidFill>
+                  <a:srgbClr val="000000"/>
+                </a:solidFill>
+                <a:latin typeface="Arial"/>
+                <a:ea typeface="DejaVu Sans"/>
+              </a:rPr>
+              <a:t>N.B. Export context API from it’s own separate file to prevent cyclic dependencies when using the contextType notation</a:t>
+            </a:r>
+            <a:endParaRPr b="0" lang="en-US" sz="1500" spc="-1" strike="noStrike">
+              <a:latin typeface="Arial"/>
+            </a:endParaRPr>
+          </a:p>
+          <a:p>
+            <a:pPr marL="285840" indent="-279720">
+              <a:lnSpc>
+                <a:spcPct val="120000"/>
+              </a:lnSpc>
+              <a:buClr>
+                <a:srgbClr val="000000"/>
+              </a:buClr>
+              <a:buFont typeface="Arial"/>
+              <a:buChar char="•"/>
+            </a:pPr>
+            <a:r>
+              <a:rPr b="0" lang="en-US" sz="1500" spc="-1" strike="noStrike">
+                <a:solidFill>
+                  <a:srgbClr val="000000"/>
+                </a:solidFill>
+                <a:latin typeface="Arial"/>
+                <a:ea typeface="DejaVu Sans"/>
+              </a:rPr>
+              <a:t>N.B. If you want to pass functions, put them in state and pass the whole state object</a:t>
+            </a:r>
+            <a:endParaRPr b="0" lang="en-US" sz="1500" spc="-1" strike="noStrike">
+              <a:latin typeface="Arial"/>
+            </a:endParaRPr>
+          </a:p>
+          <a:p>
             <a:pPr>
               <a:lnSpc>
                 <a:spcPct val="120000"/>
               </a:lnSpc>
             </a:pPr>
+            <a:r>
+              <a:rPr b="0" lang="en-US" sz="1500" spc="-1" strike="noStrike">
+                <a:solidFill>
+                  <a:srgbClr val="000000"/>
+                </a:solidFill>
+                <a:latin typeface="Arial"/>
+                <a:ea typeface="DejaVu Sans"/>
+              </a:rPr>
+              <a:t> </a:t>
+            </a:r>
             <a:endParaRPr b="0" lang="en-US" sz="1500" spc="-1" strike="noStrike">
               <a:latin typeface="Arial"/>
             </a:endParaRPr>
           </a:p>
         </p:txBody>
       </p:sp>
+      <p:sp>
+        <p:nvSpPr>
+          <p:cNvPr id="137" name="CustomShape 5"/>
+          <p:cNvSpPr/>
+          <p:nvPr/>
+        </p:nvSpPr>
+        <p:spPr>
+          <a:xfrm>
+            <a:off x="8412480" y="1371600"/>
+            <a:ext cx="182880" cy="128520"/>
+          </a:xfrm>
+          <a:prstGeom prst="ellipse">
+            <a:avLst/>
+          </a:prstGeom>
+          <a:solidFill>
+            <a:srgbClr val="729fcf"/>
+          </a:solidFill>
+          <a:ln>
+            <a:solidFill>
+              <a:srgbClr val="3465a4"/>
+            </a:solidFill>
+          </a:ln>
+        </p:spPr>
+        <p:style>
+          <a:lnRef idx="0"/>
+          <a:fillRef idx="0"/>
+          <a:effectRef idx="0"/>
+          <a:fontRef idx="minor"/>
+        </p:style>
+      </p:sp>
+      <p:sp>
+        <p:nvSpPr>
+          <p:cNvPr id="138" name="CustomShape 6"/>
+          <p:cNvSpPr/>
+          <p:nvPr/>
+        </p:nvSpPr>
+        <p:spPr>
+          <a:xfrm>
+            <a:off x="7955280" y="968760"/>
+            <a:ext cx="182880" cy="128520"/>
+          </a:xfrm>
+          <a:prstGeom prst="ellipse">
+            <a:avLst/>
+          </a:prstGeom>
+          <a:solidFill>
+            <a:srgbClr val="ffffff"/>
+          </a:solidFill>
+          <a:ln>
+            <a:solidFill>
+              <a:srgbClr val="3465a4"/>
+            </a:solidFill>
+          </a:ln>
+        </p:spPr>
+        <p:style>
+          <a:lnRef idx="0"/>
+          <a:fillRef idx="0"/>
+          <a:effectRef idx="0"/>
+          <a:fontRef idx="minor"/>
+        </p:style>
+      </p:sp>
+      <p:sp>
+        <p:nvSpPr>
+          <p:cNvPr id="139" name="CustomShape 7"/>
+          <p:cNvSpPr/>
+          <p:nvPr/>
+        </p:nvSpPr>
+        <p:spPr>
+          <a:xfrm>
+            <a:off x="7955280" y="1151640"/>
+            <a:ext cx="182880" cy="128520"/>
+          </a:xfrm>
+          <a:prstGeom prst="ellipse">
+            <a:avLst/>
+          </a:prstGeom>
+          <a:solidFill>
+            <a:srgbClr val="ffffff"/>
+          </a:solidFill>
+          <a:ln>
+            <a:solidFill>
+              <a:srgbClr val="3465a4"/>
+            </a:solidFill>
+          </a:ln>
+        </p:spPr>
+        <p:style>
+          <a:lnRef idx="0"/>
+          <a:fillRef idx="0"/>
+          <a:effectRef idx="0"/>
+          <a:fontRef idx="minor"/>
+        </p:style>
+      </p:sp>
+      <p:sp>
+        <p:nvSpPr>
+          <p:cNvPr id="140" name="CustomShape 8"/>
+          <p:cNvSpPr/>
+          <p:nvPr/>
+        </p:nvSpPr>
+        <p:spPr>
+          <a:xfrm>
+            <a:off x="7680960" y="1151640"/>
+            <a:ext cx="182880" cy="128520"/>
+          </a:xfrm>
+          <a:prstGeom prst="ellipse">
+            <a:avLst/>
+          </a:prstGeom>
+          <a:solidFill>
+            <a:srgbClr val="ffffff"/>
+          </a:solidFill>
+          <a:ln>
+            <a:solidFill>
+              <a:srgbClr val="3465a4"/>
+            </a:solidFill>
+          </a:ln>
+        </p:spPr>
+        <p:style>
+          <a:lnRef idx="0"/>
+          <a:fillRef idx="0"/>
+          <a:effectRef idx="0"/>
+          <a:fontRef idx="minor"/>
+        </p:style>
+      </p:sp>
+      <p:sp>
+        <p:nvSpPr>
+          <p:cNvPr id="141" name="CustomShape 9"/>
+          <p:cNvSpPr/>
+          <p:nvPr/>
+        </p:nvSpPr>
+        <p:spPr>
+          <a:xfrm>
+            <a:off x="8229600" y="1151640"/>
+            <a:ext cx="182880" cy="128520"/>
+          </a:xfrm>
+          <a:prstGeom prst="ellipse">
+            <a:avLst/>
+          </a:prstGeom>
+          <a:solidFill>
+            <a:srgbClr val="ffffff"/>
+          </a:solidFill>
+          <a:ln>
+            <a:solidFill>
+              <a:srgbClr val="3465a4"/>
+            </a:solidFill>
+          </a:ln>
+        </p:spPr>
+        <p:style>
+          <a:lnRef idx="0"/>
+          <a:fillRef idx="0"/>
+          <a:effectRef idx="0"/>
+          <a:fontRef idx="minor"/>
+        </p:style>
+      </p:sp>
+      <p:sp>
+        <p:nvSpPr>
+          <p:cNvPr id="142" name="CustomShape 10"/>
+          <p:cNvSpPr/>
+          <p:nvPr/>
+        </p:nvSpPr>
+        <p:spPr>
+          <a:xfrm>
+            <a:off x="8138160" y="1371600"/>
+            <a:ext cx="182880" cy="128520"/>
+          </a:xfrm>
+          <a:prstGeom prst="ellipse">
+            <a:avLst/>
+          </a:prstGeom>
+          <a:solidFill>
+            <a:srgbClr val="ffffff"/>
+          </a:solidFill>
+          <a:ln>
+            <a:solidFill>
+              <a:srgbClr val="3465a4"/>
+            </a:solidFill>
+          </a:ln>
+        </p:spPr>
+        <p:style>
+          <a:lnRef idx="0"/>
+          <a:fillRef idx="0"/>
+          <a:effectRef idx="0"/>
+          <a:fontRef idx="minor"/>
+        </p:style>
+      </p:sp>
+      <p:sp>
+        <p:nvSpPr>
+          <p:cNvPr id="143" name="CustomShape 11"/>
+          <p:cNvSpPr/>
+          <p:nvPr/>
+        </p:nvSpPr>
+        <p:spPr>
+          <a:xfrm>
+            <a:off x="7863840" y="1371600"/>
+            <a:ext cx="182880" cy="128520"/>
+          </a:xfrm>
+          <a:prstGeom prst="ellipse">
+            <a:avLst/>
+          </a:prstGeom>
+          <a:solidFill>
+            <a:srgbClr val="ffffff"/>
+          </a:solidFill>
+          <a:ln>
+            <a:solidFill>
+              <a:srgbClr val="3465a4"/>
+            </a:solidFill>
+          </a:ln>
+        </p:spPr>
+        <p:style>
+          <a:lnRef idx="0"/>
+          <a:fillRef idx="0"/>
+          <a:effectRef idx="0"/>
+          <a:fontRef idx="minor"/>
+        </p:style>
+      </p:sp>
+      <p:sp>
+        <p:nvSpPr>
+          <p:cNvPr id="144" name="CustomShape 12"/>
+          <p:cNvSpPr/>
+          <p:nvPr/>
+        </p:nvSpPr>
+        <p:spPr>
+          <a:xfrm>
+            <a:off x="7589520" y="1371600"/>
+            <a:ext cx="182880" cy="128520"/>
+          </a:xfrm>
+          <a:prstGeom prst="ellipse">
+            <a:avLst/>
+          </a:prstGeom>
+          <a:solidFill>
+            <a:srgbClr val="ffffff"/>
+          </a:solidFill>
+          <a:ln>
+            <a:solidFill>
+              <a:srgbClr val="3465a4"/>
+            </a:solidFill>
+          </a:ln>
+        </p:spPr>
+        <p:style>
+          <a:lnRef idx="0"/>
+          <a:fillRef idx="0"/>
+          <a:effectRef idx="0"/>
+          <a:fontRef idx="minor"/>
+        </p:style>
+      </p:sp>
+      <p:sp>
+        <p:nvSpPr>
+          <p:cNvPr id="145" name="CustomShape 13"/>
+          <p:cNvSpPr/>
+          <p:nvPr/>
+        </p:nvSpPr>
+        <p:spPr>
+          <a:xfrm>
+            <a:off x="7406640" y="1554480"/>
+            <a:ext cx="182880" cy="128520"/>
+          </a:xfrm>
+          <a:prstGeom prst="ellipse">
+            <a:avLst/>
+          </a:prstGeom>
+          <a:solidFill>
+            <a:srgbClr val="729fcf"/>
+          </a:solidFill>
+          <a:ln>
+            <a:solidFill>
+              <a:srgbClr val="3465a4"/>
+            </a:solidFill>
+          </a:ln>
+        </p:spPr>
+        <p:style>
+          <a:lnRef idx="0"/>
+          <a:fillRef idx="0"/>
+          <a:effectRef idx="0"/>
+          <a:fontRef idx="minor"/>
+        </p:style>
+      </p:sp>
+      <p:sp>
+        <p:nvSpPr>
+          <p:cNvPr id="146" name="CustomShape 14"/>
+          <p:cNvSpPr/>
+          <p:nvPr/>
+        </p:nvSpPr>
+        <p:spPr>
+          <a:xfrm>
+            <a:off x="7772400" y="1554480"/>
+            <a:ext cx="182880" cy="128520"/>
+          </a:xfrm>
+          <a:prstGeom prst="ellipse">
+            <a:avLst/>
+          </a:prstGeom>
+          <a:solidFill>
+            <a:srgbClr val="ffffff"/>
+          </a:solidFill>
+          <a:ln>
+            <a:solidFill>
+              <a:srgbClr val="3465a4"/>
+            </a:solidFill>
+          </a:ln>
+        </p:spPr>
+        <p:style>
+          <a:lnRef idx="0"/>
+          <a:fillRef idx="0"/>
+          <a:effectRef idx="0"/>
+          <a:fontRef idx="minor"/>
+        </p:style>
+      </p:sp>
+      <p:sp>
+        <p:nvSpPr>
+          <p:cNvPr id="147" name="CustomShape 15"/>
+          <p:cNvSpPr/>
+          <p:nvPr/>
+        </p:nvSpPr>
+        <p:spPr>
+          <a:xfrm>
+            <a:off x="8595360" y="1554480"/>
+            <a:ext cx="182880" cy="128520"/>
+          </a:xfrm>
+          <a:prstGeom prst="ellipse">
+            <a:avLst/>
+          </a:prstGeom>
+          <a:solidFill>
+            <a:srgbClr val="729fcf"/>
+          </a:solidFill>
+          <a:ln>
+            <a:solidFill>
+              <a:srgbClr val="3465a4"/>
+            </a:solidFill>
+          </a:ln>
+        </p:spPr>
+        <p:style>
+          <a:lnRef idx="0"/>
+          <a:fillRef idx="0"/>
+          <a:effectRef idx="0"/>
+          <a:fontRef idx="minor"/>
+        </p:style>
+      </p:sp>
+      <p:sp>
+        <p:nvSpPr>
+          <p:cNvPr id="148" name="CustomShape 16"/>
+          <p:cNvSpPr/>
+          <p:nvPr/>
+        </p:nvSpPr>
+        <p:spPr>
+          <a:xfrm>
+            <a:off x="8046720" y="1554480"/>
+            <a:ext cx="182880" cy="128520"/>
+          </a:xfrm>
+          <a:prstGeom prst="ellipse">
+            <a:avLst/>
+          </a:prstGeom>
+          <a:solidFill>
+            <a:srgbClr val="ffffff"/>
+          </a:solidFill>
+          <a:ln>
+            <a:solidFill>
+              <a:srgbClr val="3465a4"/>
+            </a:solidFill>
+          </a:ln>
+        </p:spPr>
+        <p:style>
+          <a:lnRef idx="0"/>
+          <a:fillRef idx="0"/>
+          <a:effectRef idx="0"/>
+          <a:fontRef idx="minor"/>
+        </p:style>
+      </p:sp>
+      <p:sp>
+        <p:nvSpPr>
+          <p:cNvPr id="149" name="CustomShape 17"/>
+          <p:cNvSpPr/>
+          <p:nvPr/>
+        </p:nvSpPr>
+        <p:spPr>
+          <a:xfrm>
+            <a:off x="8321040" y="1554480"/>
+            <a:ext cx="182880" cy="128520"/>
+          </a:xfrm>
+          <a:prstGeom prst="ellipse">
+            <a:avLst/>
+          </a:prstGeom>
+          <a:solidFill>
+            <a:srgbClr val="ffffff"/>
+          </a:solidFill>
+          <a:ln>
+            <a:solidFill>
+              <a:srgbClr val="3465a4"/>
+            </a:solidFill>
+          </a:ln>
+        </p:spPr>
+        <p:style>
+          <a:lnRef idx="0"/>
+          <a:fillRef idx="0"/>
+          <a:effectRef idx="0"/>
+          <a:fontRef idx="minor"/>
+        </p:style>
+      </p:sp>
+      <p:sp>
+        <p:nvSpPr>
+          <p:cNvPr id="150" name="Line 18"/>
+          <p:cNvSpPr/>
+          <p:nvPr/>
+        </p:nvSpPr>
+        <p:spPr>
+          <a:xfrm>
+            <a:off x="8046720" y="1005840"/>
+            <a:ext cx="274320" cy="182880"/>
+          </a:xfrm>
+          <a:prstGeom prst="line">
+            <a:avLst/>
+          </a:prstGeom>
+          <a:ln>
+            <a:solidFill>
+              <a:srgbClr val="000000"/>
+            </a:solidFill>
+          </a:ln>
+        </p:spPr>
+        <p:style>
+          <a:lnRef idx="0"/>
+          <a:fillRef idx="0"/>
+          <a:effectRef idx="0"/>
+          <a:fontRef idx="minor"/>
+        </p:style>
+      </p:sp>
+      <p:sp>
+        <p:nvSpPr>
+          <p:cNvPr id="151" name="Line 19"/>
+          <p:cNvSpPr/>
+          <p:nvPr/>
+        </p:nvSpPr>
+        <p:spPr>
+          <a:xfrm>
+            <a:off x="8046720" y="1005840"/>
+            <a:ext cx="0" cy="182880"/>
+          </a:xfrm>
+          <a:prstGeom prst="line">
+            <a:avLst/>
+          </a:prstGeom>
+          <a:ln>
+            <a:solidFill>
+              <a:srgbClr val="000000"/>
+            </a:solidFill>
+          </a:ln>
+        </p:spPr>
+        <p:style>
+          <a:lnRef idx="0"/>
+          <a:fillRef idx="0"/>
+          <a:effectRef idx="0"/>
+          <a:fontRef idx="minor"/>
+        </p:style>
+      </p:sp>
+      <p:sp>
+        <p:nvSpPr>
+          <p:cNvPr id="152" name="Line 20"/>
+          <p:cNvSpPr/>
+          <p:nvPr/>
+        </p:nvSpPr>
+        <p:spPr>
+          <a:xfrm flipH="1">
+            <a:off x="7772400" y="1005840"/>
+            <a:ext cx="274320" cy="182880"/>
+          </a:xfrm>
+          <a:prstGeom prst="line">
+            <a:avLst/>
+          </a:prstGeom>
+          <a:ln>
+            <a:solidFill>
+              <a:srgbClr val="000000"/>
+            </a:solidFill>
+          </a:ln>
+        </p:spPr>
+        <p:style>
+          <a:lnRef idx="0"/>
+          <a:fillRef idx="0"/>
+          <a:effectRef idx="0"/>
+          <a:fontRef idx="minor"/>
+        </p:style>
+      </p:sp>
+      <p:sp>
+        <p:nvSpPr>
+          <p:cNvPr id="153" name="Line 21"/>
+          <p:cNvSpPr/>
+          <p:nvPr/>
+        </p:nvSpPr>
+        <p:spPr>
+          <a:xfrm>
+            <a:off x="8321040" y="1188720"/>
+            <a:ext cx="182880" cy="274320"/>
+          </a:xfrm>
+          <a:prstGeom prst="line">
+            <a:avLst/>
+          </a:prstGeom>
+          <a:ln>
+            <a:solidFill>
+              <a:srgbClr val="000000"/>
+            </a:solidFill>
+          </a:ln>
+        </p:spPr>
+        <p:style>
+          <a:lnRef idx="0"/>
+          <a:fillRef idx="0"/>
+          <a:effectRef idx="0"/>
+          <a:fontRef idx="minor"/>
+        </p:style>
+      </p:sp>
+      <p:sp>
+        <p:nvSpPr>
+          <p:cNvPr id="154" name="Line 22"/>
+          <p:cNvSpPr/>
+          <p:nvPr/>
+        </p:nvSpPr>
+        <p:spPr>
+          <a:xfrm>
+            <a:off x="8503920" y="1463040"/>
+            <a:ext cx="182880" cy="182880"/>
+          </a:xfrm>
+          <a:prstGeom prst="line">
+            <a:avLst/>
+          </a:prstGeom>
+          <a:ln>
+            <a:solidFill>
+              <a:srgbClr val="000000"/>
+            </a:solidFill>
+          </a:ln>
+        </p:spPr>
+        <p:style>
+          <a:lnRef idx="0"/>
+          <a:fillRef idx="0"/>
+          <a:effectRef idx="0"/>
+          <a:fontRef idx="minor"/>
+        </p:style>
+      </p:sp>
+      <p:sp>
+        <p:nvSpPr>
+          <p:cNvPr id="155" name="Line 23"/>
+          <p:cNvSpPr/>
+          <p:nvPr/>
+        </p:nvSpPr>
+        <p:spPr>
+          <a:xfrm flipH="1">
+            <a:off x="7955280" y="1188720"/>
+            <a:ext cx="91440" cy="274320"/>
+          </a:xfrm>
+          <a:prstGeom prst="line">
+            <a:avLst/>
+          </a:prstGeom>
+          <a:ln>
+            <a:solidFill>
+              <a:srgbClr val="000000"/>
+            </a:solidFill>
+          </a:ln>
+        </p:spPr>
+        <p:style>
+          <a:lnRef idx="0"/>
+          <a:fillRef idx="0"/>
+          <a:effectRef idx="0"/>
+          <a:fontRef idx="minor"/>
+        </p:style>
+      </p:sp>
+      <p:sp>
+        <p:nvSpPr>
+          <p:cNvPr id="156" name="Line 24"/>
+          <p:cNvSpPr/>
+          <p:nvPr/>
+        </p:nvSpPr>
+        <p:spPr>
+          <a:xfrm flipH="1">
+            <a:off x="7680960" y="1188720"/>
+            <a:ext cx="91440" cy="274320"/>
+          </a:xfrm>
+          <a:prstGeom prst="line">
+            <a:avLst/>
+          </a:prstGeom>
+          <a:ln>
+            <a:solidFill>
+              <a:srgbClr val="000000"/>
+            </a:solidFill>
+          </a:ln>
+        </p:spPr>
+        <p:style>
+          <a:lnRef idx="0"/>
+          <a:fillRef idx="0"/>
+          <a:effectRef idx="0"/>
+          <a:fontRef idx="minor"/>
+        </p:style>
+      </p:sp>
+      <p:sp>
+        <p:nvSpPr>
+          <p:cNvPr id="157" name="Line 25"/>
+          <p:cNvSpPr/>
+          <p:nvPr/>
+        </p:nvSpPr>
+        <p:spPr>
+          <a:xfrm flipH="1">
+            <a:off x="8229600" y="1188720"/>
+            <a:ext cx="91440" cy="274320"/>
+          </a:xfrm>
+          <a:prstGeom prst="line">
+            <a:avLst/>
+          </a:prstGeom>
+          <a:ln>
+            <a:solidFill>
+              <a:srgbClr val="000000"/>
+            </a:solidFill>
+          </a:ln>
+        </p:spPr>
+        <p:style>
+          <a:lnRef idx="0"/>
+          <a:fillRef idx="0"/>
+          <a:effectRef idx="0"/>
+          <a:fontRef idx="minor"/>
+        </p:style>
+      </p:sp>
+      <p:sp>
+        <p:nvSpPr>
+          <p:cNvPr id="158" name="Line 26"/>
+          <p:cNvSpPr/>
+          <p:nvPr/>
+        </p:nvSpPr>
+        <p:spPr>
+          <a:xfrm>
+            <a:off x="8229600" y="1463040"/>
+            <a:ext cx="182880" cy="182880"/>
+          </a:xfrm>
+          <a:prstGeom prst="line">
+            <a:avLst/>
+          </a:prstGeom>
+          <a:ln>
+            <a:solidFill>
+              <a:srgbClr val="000000"/>
+            </a:solidFill>
+          </a:ln>
+        </p:spPr>
+        <p:style>
+          <a:lnRef idx="0"/>
+          <a:fillRef idx="0"/>
+          <a:effectRef idx="0"/>
+          <a:fontRef idx="minor"/>
+        </p:style>
+      </p:sp>
+      <p:sp>
+        <p:nvSpPr>
+          <p:cNvPr id="159" name="Line 27"/>
+          <p:cNvSpPr/>
+          <p:nvPr/>
+        </p:nvSpPr>
+        <p:spPr>
+          <a:xfrm>
+            <a:off x="7955280" y="1463040"/>
+            <a:ext cx="182880" cy="182880"/>
+          </a:xfrm>
+          <a:prstGeom prst="line">
+            <a:avLst/>
+          </a:prstGeom>
+          <a:ln>
+            <a:solidFill>
+              <a:srgbClr val="000000"/>
+            </a:solidFill>
+          </a:ln>
+        </p:spPr>
+        <p:style>
+          <a:lnRef idx="0"/>
+          <a:fillRef idx="0"/>
+          <a:effectRef idx="0"/>
+          <a:fontRef idx="minor"/>
+        </p:style>
+      </p:sp>
+      <p:sp>
+        <p:nvSpPr>
+          <p:cNvPr id="160" name="Line 28"/>
+          <p:cNvSpPr/>
+          <p:nvPr/>
+        </p:nvSpPr>
+        <p:spPr>
+          <a:xfrm>
+            <a:off x="7680960" y="1463040"/>
+            <a:ext cx="182880" cy="182880"/>
+          </a:xfrm>
+          <a:prstGeom prst="line">
+            <a:avLst/>
+          </a:prstGeom>
+          <a:ln>
+            <a:solidFill>
+              <a:srgbClr val="000000"/>
+            </a:solidFill>
+          </a:ln>
+        </p:spPr>
+        <p:style>
+          <a:lnRef idx="0"/>
+          <a:fillRef idx="0"/>
+          <a:effectRef idx="0"/>
+          <a:fontRef idx="minor"/>
+        </p:style>
+      </p:sp>
+      <p:sp>
+        <p:nvSpPr>
+          <p:cNvPr id="161" name="Line 29"/>
+          <p:cNvSpPr/>
+          <p:nvPr/>
+        </p:nvSpPr>
+        <p:spPr>
+          <a:xfrm flipH="1">
+            <a:off x="7498080" y="1463040"/>
+            <a:ext cx="182880" cy="182880"/>
+          </a:xfrm>
+          <a:prstGeom prst="line">
+            <a:avLst/>
+          </a:prstGeom>
+          <a:ln>
+            <a:solidFill>
+              <a:srgbClr val="000000"/>
+            </a:solidFill>
+          </a:ln>
+        </p:spPr>
+        <p:style>
+          <a:lnRef idx="0"/>
+          <a:fillRef idx="0"/>
+          <a:effectRef idx="0"/>
+          <a:fontRef idx="minor"/>
+        </p:style>
+      </p:sp>
+      <p:sp>
+        <p:nvSpPr>
+          <p:cNvPr id="162" name="CustomShape 30"/>
+          <p:cNvSpPr/>
+          <p:nvPr/>
+        </p:nvSpPr>
+        <p:spPr>
+          <a:xfrm>
+            <a:off x="8046720" y="1737360"/>
+            <a:ext cx="182880" cy="128520"/>
+          </a:xfrm>
+          <a:prstGeom prst="ellipse">
+            <a:avLst/>
+          </a:prstGeom>
+          <a:solidFill>
+            <a:srgbClr val="729fcf"/>
+          </a:solidFill>
+          <a:ln>
+            <a:solidFill>
+              <a:srgbClr val="3465a4"/>
+            </a:solidFill>
+          </a:ln>
+        </p:spPr>
+        <p:style>
+          <a:lnRef idx="0"/>
+          <a:fillRef idx="0"/>
+          <a:effectRef idx="0"/>
+          <a:fontRef idx="minor"/>
+        </p:style>
+      </p:sp>
+      <p:sp>
+        <p:nvSpPr>
+          <p:cNvPr id="163" name="Line 31"/>
+          <p:cNvSpPr/>
+          <p:nvPr/>
+        </p:nvSpPr>
+        <p:spPr>
+          <a:xfrm>
+            <a:off x="8138160" y="1645920"/>
+            <a:ext cx="0" cy="182880"/>
+          </a:xfrm>
+          <a:prstGeom prst="line">
+            <a:avLst/>
+          </a:prstGeom>
+          <a:ln>
+            <a:solidFill>
+              <a:srgbClr val="000000"/>
+            </a:solidFill>
+          </a:ln>
+        </p:spPr>
+        <p:style>
+          <a:lnRef idx="0"/>
+          <a:fillRef idx="0"/>
+          <a:effectRef idx="0"/>
+          <a:fontRef idx="minor"/>
+        </p:style>
+      </p:sp>
+      <p:pic>
+        <p:nvPicPr>
+          <p:cNvPr id="164" name="" descr=""/>
+          <p:cNvPicPr/>
+          <p:nvPr/>
+        </p:nvPicPr>
+        <p:blipFill>
+          <a:blip r:embed="rId1"/>
+          <a:stretch/>
+        </p:blipFill>
+        <p:spPr>
+          <a:xfrm>
+            <a:off x="3749040" y="1928160"/>
+            <a:ext cx="4238280" cy="266400"/>
+          </a:xfrm>
+          <a:prstGeom prst="rect">
+            <a:avLst/>
+          </a:prstGeom>
+          <a:ln>
+            <a:noFill/>
+          </a:ln>
+        </p:spPr>
+      </p:pic>
+      <p:pic>
+        <p:nvPicPr>
+          <p:cNvPr id="165" name="" descr=""/>
+          <p:cNvPicPr/>
+          <p:nvPr/>
+        </p:nvPicPr>
+        <p:blipFill>
+          <a:blip r:embed="rId2"/>
+          <a:stretch/>
+        </p:blipFill>
+        <p:spPr>
+          <a:xfrm>
+            <a:off x="4663440" y="1701360"/>
+            <a:ext cx="3381120" cy="218880"/>
+          </a:xfrm>
+          <a:prstGeom prst="rect">
+            <a:avLst/>
+          </a:prstGeom>
+          <a:ln>
+            <a:noFill/>
+          </a:ln>
+        </p:spPr>
+      </p:pic>
+      <p:pic>
+        <p:nvPicPr>
+          <p:cNvPr id="166" name="" descr=""/>
+          <p:cNvPicPr/>
+          <p:nvPr/>
+        </p:nvPicPr>
+        <p:blipFill>
+          <a:blip r:embed="rId3"/>
+          <a:stretch/>
+        </p:blipFill>
+        <p:spPr>
+          <a:xfrm>
+            <a:off x="3657600" y="2229120"/>
+            <a:ext cx="3762000" cy="514080"/>
+          </a:xfrm>
+          <a:prstGeom prst="rect">
+            <a:avLst/>
+          </a:prstGeom>
+          <a:ln>
+            <a:noFill/>
+          </a:ln>
+        </p:spPr>
+      </p:pic>
+      <p:pic>
+        <p:nvPicPr>
+          <p:cNvPr id="167" name="" descr=""/>
+          <p:cNvPicPr/>
+          <p:nvPr/>
+        </p:nvPicPr>
+        <p:blipFill>
+          <a:blip r:embed="rId4"/>
+          <a:stretch/>
+        </p:blipFill>
+        <p:spPr>
+          <a:xfrm>
+            <a:off x="4114800" y="3019680"/>
+            <a:ext cx="3190680" cy="180720"/>
+          </a:xfrm>
+          <a:prstGeom prst="rect">
+            <a:avLst/>
+          </a:prstGeom>
+          <a:ln>
+            <a:noFill/>
+          </a:ln>
+        </p:spPr>
+      </p:pic>
     </p:spTree>
   </p:cSld>
   <p:timing>
@@ -7142,14 +8942,14 @@
       </p:grpSpPr>
       <p:sp>
         <p:nvSpPr>
-          <p:cNvPr id="136" name="CustomShape 1"/>
+          <p:cNvPr id="168" name="CustomShape 1"/>
           <p:cNvSpPr/>
           <p:nvPr/>
         </p:nvSpPr>
         <p:spPr>
           <a:xfrm>
             <a:off x="720000" y="288000"/>
-            <a:ext cx="6618240" cy="498240"/>
+            <a:ext cx="6617880" cy="497880"/>
           </a:xfrm>
           <a:prstGeom prst="rect">
             <a:avLst/>
@@ -7191,14 +8991,14 @@
       </p:sp>
       <p:sp>
         <p:nvSpPr>
-          <p:cNvPr id="137" name="CustomShape 2"/>
+          <p:cNvPr id="169" name="CustomShape 2"/>
           <p:cNvSpPr/>
           <p:nvPr/>
         </p:nvSpPr>
         <p:spPr>
           <a:xfrm>
             <a:off x="4968000" y="5004000"/>
-            <a:ext cx="3234240" cy="102240"/>
+            <a:ext cx="3233880" cy="101880"/>
           </a:xfrm>
           <a:prstGeom prst="rect">
             <a:avLst/>
@@ -7240,14 +9040,14 @@
       </p:sp>
       <p:sp>
         <p:nvSpPr>
-          <p:cNvPr id="138" name="CustomShape 3"/>
+          <p:cNvPr id="170" name="CustomShape 3"/>
           <p:cNvSpPr/>
           <p:nvPr/>
         </p:nvSpPr>
         <p:spPr>
           <a:xfrm>
             <a:off x="8280000" y="5004000"/>
-            <a:ext cx="138240" cy="102240"/>
+            <a:ext cx="137880" cy="101880"/>
           </a:xfrm>
           <a:prstGeom prst="rect">
             <a:avLst/>
@@ -7271,7 +9071,7 @@
                 <a:spcPct val="100000"/>
               </a:lnSpc>
             </a:pPr>
-            <a:fld id="{A41161F9-37B3-4C1E-A96B-49373C30BFE0}" type="slidenum">
+            <a:fld id="{0A4EDD3B-0290-4235-9A90-11BC29422377}" type="slidenum">
               <a:rPr b="0" lang="en-US" sz="600" spc="-1" strike="noStrike">
                 <a:solidFill>
                   <a:srgbClr val="ffffff"/>
@@ -7289,14 +9089,14 @@
       </p:sp>
       <p:sp>
         <p:nvSpPr>
-          <p:cNvPr id="139" name="CustomShape 4"/>
+          <p:cNvPr id="171" name="CustomShape 4"/>
           <p:cNvSpPr/>
           <p:nvPr/>
         </p:nvSpPr>
         <p:spPr>
           <a:xfrm>
             <a:off x="602640" y="504720"/>
-            <a:ext cx="6618240" cy="3881520"/>
+            <a:ext cx="6617880" cy="3881160"/>
           </a:xfrm>
           <a:prstGeom prst="rect">
             <a:avLst/>
@@ -7325,7 +9125,7 @@
             </a:endParaRPr>
           </a:p>
           <a:p>
-            <a:pPr marL="285840" indent="-280080">
+            <a:pPr marL="285840" indent="-279720">
               <a:lnSpc>
                 <a:spcPct val="120000"/>
               </a:lnSpc>
@@ -7370,7 +9170,7 @@
             </a:endParaRPr>
           </a:p>
           <a:p>
-            <a:pPr marL="285840" indent="-280080">
+            <a:pPr marL="285840" indent="-279720">
               <a:lnSpc>
                 <a:spcPct val="120000"/>
               </a:lnSpc>
@@ -7435,7 +9235,7 @@
             </a:endParaRPr>
           </a:p>
           <a:p>
-            <a:pPr marL="285840" indent="-280080">
+            <a:pPr marL="285840" indent="-279720">
               <a:lnSpc>
                 <a:spcPct val="120000"/>
               </a:lnSpc>
@@ -7470,7 +9270,7 @@
             </a:endParaRPr>
           </a:p>
           <a:p>
-            <a:pPr marL="285840" indent="-280080">
+            <a:pPr marL="285840" indent="-279720">
               <a:lnSpc>
                 <a:spcPct val="120000"/>
               </a:lnSpc>
@@ -7488,7 +9288,7 @@
                 <a:latin typeface="Arial"/>
                 <a:ea typeface="DejaVu Sans"/>
               </a:rPr>
-              <a:t>For Material UI &lt;Input  /&gt; or &lt;TextField /&gt; use inputRef instead of ref</a:t>
+              <a:t>N.B. Material UI &lt;Input  /&gt; or &lt;TextField /&gt; use inputRef instead of ref</a:t>
             </a:r>
             <a:endParaRPr b="0" lang="en-US" sz="1500" spc="-1" strike="noStrike">
               <a:latin typeface="Arial"/>
@@ -7508,7 +9308,7 @@
       </p:sp>
       <p:pic>
         <p:nvPicPr>
-          <p:cNvPr id="140" name="" descr=""/>
+          <p:cNvPr id="172" name="" descr=""/>
           <p:cNvPicPr/>
           <p:nvPr/>
         </p:nvPicPr>
@@ -7519,7 +9319,7 @@
         <p:spPr>
           <a:xfrm>
             <a:off x="4210560" y="444240"/>
-            <a:ext cx="3560040" cy="1017000"/>
+            <a:ext cx="3559680" cy="1016640"/>
           </a:xfrm>
           <a:prstGeom prst="rect">
             <a:avLst/>
@@ -7531,7 +9331,7 @@
       </p:pic>
       <p:pic>
         <p:nvPicPr>
-          <p:cNvPr id="141" name="" descr=""/>
+          <p:cNvPr id="173" name="" descr=""/>
           <p:cNvPicPr/>
           <p:nvPr/>
         </p:nvPicPr>
@@ -7542,7 +9342,7 @@
         <p:spPr>
           <a:xfrm>
             <a:off x="5315400" y="1438560"/>
-            <a:ext cx="3369600" cy="845640"/>
+            <a:ext cx="3369240" cy="845280"/>
           </a:xfrm>
           <a:prstGeom prst="rect">
             <a:avLst/>
@@ -7603,14 +9403,14 @@
       </p:grpSpPr>
       <p:sp>
         <p:nvSpPr>
-          <p:cNvPr id="142" name="CustomShape 1"/>
+          <p:cNvPr id="174" name="CustomShape 1"/>
           <p:cNvSpPr/>
           <p:nvPr/>
         </p:nvSpPr>
         <p:spPr>
           <a:xfrm>
             <a:off x="720000" y="288000"/>
-            <a:ext cx="6618240" cy="498240"/>
+            <a:ext cx="6617880" cy="497880"/>
           </a:xfrm>
           <a:prstGeom prst="rect">
             <a:avLst/>
@@ -7642,7 +9442,7 @@
                 <a:latin typeface="Arial"/>
                 <a:ea typeface="DejaVu Sans"/>
               </a:rPr>
-              <a:t>Hands-on Time!</a:t>
+              <a:t>Uncontrolled forms</a:t>
             </a:r>
             <a:endParaRPr b="0" lang="en-US" sz="1800" spc="-1" strike="noStrike">
               <a:latin typeface="Arial"/>
@@ -7652,14 +9452,14 @@
       </p:sp>
       <p:sp>
         <p:nvSpPr>
-          <p:cNvPr id="143" name="CustomShape 2"/>
+          <p:cNvPr id="175" name="CustomShape 2"/>
           <p:cNvSpPr/>
           <p:nvPr/>
         </p:nvSpPr>
         <p:spPr>
           <a:xfrm>
-            <a:off x="2347200" y="2194560"/>
-            <a:ext cx="2402280" cy="773280"/>
+            <a:off x="4968000" y="5004000"/>
+            <a:ext cx="3233880" cy="101880"/>
           </a:xfrm>
           <a:prstGeom prst="rect">
             <a:avLst/>
@@ -7678,37 +9478,37 @@
         <p:txBody>
           <a:bodyPr lIns="0" rIns="0" tIns="0" bIns="0"/>
           <a:p>
-            <a:pPr>
-              <a:lnSpc>
-                <a:spcPct val="120000"/>
-              </a:lnSpc>
-            </a:pPr>
-            <a:r>
-              <a:rPr b="0" lang="en-US" sz="3200" spc="-1" strike="noStrike">
+            <a:pPr algn="r">
+              <a:lnSpc>
+                <a:spcPct val="100000"/>
+              </a:lnSpc>
+            </a:pPr>
+            <a:r>
+              <a:rPr b="0" lang="en-US" sz="600" spc="-1" strike="noStrike">
                 <a:solidFill>
                   <a:srgbClr val="ffffff"/>
                 </a:solidFill>
                 <a:latin typeface="Arial"/>
                 <a:ea typeface="DejaVu Sans"/>
               </a:rPr>
-              <a:t>Questions?</a:t>
-            </a:r>
-            <a:endParaRPr b="0" lang="en-US" sz="3200" spc="-1" strike="noStrike">
-              <a:latin typeface="Arial"/>
-            </a:endParaRPr>
-          </a:p>
-        </p:txBody>
-      </p:sp>
-      <p:sp>
-        <p:nvSpPr>
-          <p:cNvPr id="144" name="CustomShape 3"/>
+              <a:t>React</a:t>
+            </a:r>
+            <a:endParaRPr b="0" lang="en-US" sz="600" spc="-1" strike="noStrike">
+              <a:latin typeface="Arial"/>
+            </a:endParaRPr>
+          </a:p>
+        </p:txBody>
+      </p:sp>
+      <p:sp>
+        <p:nvSpPr>
+          <p:cNvPr id="176" name="CustomShape 3"/>
           <p:cNvSpPr/>
           <p:nvPr/>
         </p:nvSpPr>
         <p:spPr>
           <a:xfrm>
-            <a:off x="4968000" y="5004000"/>
-            <a:ext cx="3234240" cy="102240"/>
+            <a:off x="8280000" y="5004000"/>
+            <a:ext cx="137880" cy="101880"/>
           </a:xfrm>
           <a:prstGeom prst="rect">
             <a:avLst/>
@@ -7732,7 +9532,7 @@
                 <a:spcPct val="100000"/>
               </a:lnSpc>
             </a:pPr>
-            <a:r>
+            <a:fld id="{FD5E5BD0-9468-44C6-A6CE-28DEF590624D}" type="slidenum">
               <a:rPr b="0" lang="en-US" sz="600" spc="-1" strike="noStrike">
                 <a:solidFill>
                   <a:srgbClr val="ffffff"/>
@@ -7740,8 +9540,8 @@
                 <a:latin typeface="Arial"/>
                 <a:ea typeface="DejaVu Sans"/>
               </a:rPr>
-              <a:t>React</a:t>
-            </a:r>
+              <a:t>&lt;number&gt;</a:t>
+            </a:fld>
             <a:endParaRPr b="0" lang="en-US" sz="600" spc="-1" strike="noStrike">
               <a:latin typeface="Arial"/>
             </a:endParaRPr>
@@ -7750,14 +9550,14 @@
       </p:sp>
       <p:sp>
         <p:nvSpPr>
-          <p:cNvPr id="145" name="CustomShape 4"/>
+          <p:cNvPr id="177" name="CustomShape 4"/>
           <p:cNvSpPr/>
           <p:nvPr/>
         </p:nvSpPr>
         <p:spPr>
           <a:xfrm>
-            <a:off x="8280000" y="5004000"/>
-            <a:ext cx="138240" cy="102240"/>
+            <a:off x="602640" y="504720"/>
+            <a:ext cx="6617880" cy="3881160"/>
           </a:xfrm>
           <a:prstGeom prst="rect">
             <a:avLst/>
@@ -7776,53 +9576,102 @@
         <p:txBody>
           <a:bodyPr lIns="0" rIns="0" tIns="0" bIns="0"/>
           <a:p>
-            <a:pPr algn="r">
-              <a:lnSpc>
-                <a:spcPct val="100000"/>
-              </a:lnSpc>
-            </a:pPr>
-            <a:fld id="{CAC5AE99-4839-4BA8-88F9-7F3E7F0A8EEF}" type="slidenum">
-              <a:rPr b="0" lang="en-US" sz="600" spc="-1" strike="noStrike">
+            <a:pPr>
+              <a:lnSpc>
+                <a:spcPct val="120000"/>
+              </a:lnSpc>
+            </a:pPr>
+            <a:endParaRPr b="0" lang="en-US" sz="1800" spc="-1" strike="noStrike">
+              <a:latin typeface="Arial"/>
+            </a:endParaRPr>
+          </a:p>
+          <a:p>
+            <a:pPr marL="285840" indent="-279720">
+              <a:lnSpc>
+                <a:spcPct val="120000"/>
+              </a:lnSpc>
+              <a:buClr>
+                <a:srgbClr val="000000"/>
+              </a:buClr>
+              <a:buFont typeface="Arial"/>
+              <a:buChar char="•"/>
+            </a:pPr>
+            <a:r>
+              <a:rPr b="0" lang="en-US" sz="1500" spc="-1" strike="noStrike">
                 <a:solidFill>
-                  <a:srgbClr val="ffffff"/>
+                  <a:srgbClr val="000000"/>
                 </a:solidFill>
                 <a:latin typeface="Arial"/>
                 <a:ea typeface="DejaVu Sans"/>
               </a:rPr>
-              <a:t>1</a:t>
-            </a:fld>
-            <a:endParaRPr b="0" lang="en-US" sz="600" spc="-1" strike="noStrike">
-              <a:latin typeface="Arial"/>
-            </a:endParaRPr>
-          </a:p>
-        </p:txBody>
-      </p:sp>
-      <p:pic>
-        <p:nvPicPr>
-          <p:cNvPr id="146" name="Picture Placeholder 6" descr=""/>
-          <p:cNvPicPr/>
-          <p:nvPr/>
-        </p:nvPicPr>
-        <p:blipFill>
-          <a:blip r:embed="rId1"/>
-          <a:stretch/>
-        </p:blipFill>
-        <p:spPr>
-          <a:xfrm>
-            <a:off x="6840000" y="810000"/>
-            <a:ext cx="2298240" cy="3504240"/>
-          </a:xfrm>
-          <a:prstGeom prst="rect">
-            <a:avLst/>
-          </a:prstGeom>
-          <a:ln w="9360">
-            <a:solidFill>
-              <a:schemeClr val="bg1"/>
-            </a:solidFill>
-            <a:round/>
-          </a:ln>
-        </p:spPr>
-      </p:pic>
+              <a:t>Initialize the state for the inputs</a:t>
+            </a:r>
+            <a:endParaRPr b="0" lang="en-US" sz="1500" spc="-1" strike="noStrike">
+              <a:latin typeface="Arial"/>
+            </a:endParaRPr>
+          </a:p>
+          <a:p>
+            <a:pPr marL="285840" indent="-279720">
+              <a:lnSpc>
+                <a:spcPct val="120000"/>
+              </a:lnSpc>
+              <a:buClr>
+                <a:srgbClr val="000000"/>
+              </a:buClr>
+              <a:buFont typeface="Arial"/>
+              <a:buChar char="•"/>
+            </a:pPr>
+            <a:r>
+              <a:rPr b="0" lang="en-US" sz="1500" spc="-1" strike="noStrike">
+                <a:solidFill>
+                  <a:srgbClr val="000000"/>
+                </a:solidFill>
+                <a:latin typeface="Arial"/>
+                <a:ea typeface="DejaVu Sans"/>
+              </a:rPr>
+              <a:t>Set input value to equal state </a:t>
+            </a:r>
+            <a:endParaRPr b="0" lang="en-US" sz="1500" spc="-1" strike="noStrike">
+              <a:latin typeface="Arial"/>
+            </a:endParaRPr>
+          </a:p>
+          <a:p>
+            <a:pPr marL="285840" indent="-279720">
+              <a:lnSpc>
+                <a:spcPct val="120000"/>
+              </a:lnSpc>
+              <a:buClr>
+                <a:srgbClr val="000000"/>
+              </a:buClr>
+              <a:buFont typeface="Arial"/>
+              <a:buChar char="•"/>
+            </a:pPr>
+            <a:r>
+              <a:rPr b="0" lang="en-US" sz="1500" spc="-1" strike="noStrike">
+                <a:solidFill>
+                  <a:srgbClr val="000000"/>
+                </a:solidFill>
+                <a:latin typeface="Arial"/>
+                <a:ea typeface="DejaVu Sans"/>
+              </a:rPr>
+              <a:t>Add onChange handlers to the inputs</a:t>
+            </a:r>
+            <a:endParaRPr b="0" lang="en-US" sz="1500" spc="-1" strike="noStrike">
+              <a:latin typeface="Arial"/>
+            </a:endParaRPr>
+          </a:p>
+          <a:p>
+            <a:pPr>
+              <a:lnSpc>
+                <a:spcPct val="120000"/>
+              </a:lnSpc>
+            </a:pPr>
+            <a:endParaRPr b="0" lang="en-US" sz="1500" spc="-1" strike="noStrike">
+              <a:latin typeface="Arial"/>
+            </a:endParaRPr>
+          </a:p>
+        </p:txBody>
+      </p:sp>
     </p:spTree>
   </p:cSld>
   <p:timing>
@@ -7874,14 +9723,14 @@
       </p:grpSpPr>
       <p:sp>
         <p:nvSpPr>
-          <p:cNvPr id="147" name="CustomShape 1"/>
+          <p:cNvPr id="178" name="CustomShape 1"/>
           <p:cNvSpPr/>
           <p:nvPr/>
         </p:nvSpPr>
         <p:spPr>
           <a:xfrm>
             <a:off x="720000" y="288000"/>
-            <a:ext cx="6618240" cy="498240"/>
+            <a:ext cx="6617880" cy="497880"/>
           </a:xfrm>
           <a:prstGeom prst="rect">
             <a:avLst/>
@@ -7913,7 +9762,7 @@
                 <a:latin typeface="Arial"/>
                 <a:ea typeface="DejaVu Sans"/>
               </a:rPr>
-              <a:t>Hands-on: Getting started</a:t>
+              <a:t>Hands-on Time!</a:t>
             </a:r>
             <a:endParaRPr b="0" lang="en-US" sz="1800" spc="-1" strike="noStrike">
               <a:latin typeface="Arial"/>
@@ -7923,14 +9772,14 @@
       </p:sp>
       <p:sp>
         <p:nvSpPr>
-          <p:cNvPr id="148" name="CustomShape 2"/>
+          <p:cNvPr id="179" name="CustomShape 2"/>
           <p:cNvSpPr/>
           <p:nvPr/>
         </p:nvSpPr>
         <p:spPr>
           <a:xfrm>
-            <a:off x="4968000" y="5004000"/>
-            <a:ext cx="3234240" cy="102240"/>
+            <a:off x="2347200" y="2194560"/>
+            <a:ext cx="2401920" cy="772920"/>
           </a:xfrm>
           <a:prstGeom prst="rect">
             <a:avLst/>
@@ -7949,37 +9798,37 @@
         <p:txBody>
           <a:bodyPr lIns="0" rIns="0" tIns="0" bIns="0"/>
           <a:p>
-            <a:pPr algn="r">
-              <a:lnSpc>
-                <a:spcPct val="100000"/>
-              </a:lnSpc>
-            </a:pPr>
-            <a:r>
-              <a:rPr b="0" lang="en-US" sz="600" spc="-1" strike="noStrike">
+            <a:pPr>
+              <a:lnSpc>
+                <a:spcPct val="120000"/>
+              </a:lnSpc>
+            </a:pPr>
+            <a:r>
+              <a:rPr b="0" lang="en-US" sz="3200" spc="-1" strike="noStrike">
                 <a:solidFill>
                   <a:srgbClr val="ffffff"/>
                 </a:solidFill>
                 <a:latin typeface="Arial"/>
                 <a:ea typeface="DejaVu Sans"/>
               </a:rPr>
-              <a:t>React</a:t>
-            </a:r>
-            <a:endParaRPr b="0" lang="en-US" sz="600" spc="-1" strike="noStrike">
-              <a:latin typeface="Arial"/>
-            </a:endParaRPr>
-          </a:p>
-        </p:txBody>
-      </p:sp>
-      <p:sp>
-        <p:nvSpPr>
-          <p:cNvPr id="149" name="CustomShape 3"/>
+              <a:t>Questions?</a:t>
+            </a:r>
+            <a:endParaRPr b="0" lang="en-US" sz="3200" spc="-1" strike="noStrike">
+              <a:latin typeface="Arial"/>
+            </a:endParaRPr>
+          </a:p>
+        </p:txBody>
+      </p:sp>
+      <p:sp>
+        <p:nvSpPr>
+          <p:cNvPr id="180" name="CustomShape 3"/>
           <p:cNvSpPr/>
           <p:nvPr/>
         </p:nvSpPr>
         <p:spPr>
           <a:xfrm>
-            <a:off x="8280000" y="5004000"/>
-            <a:ext cx="138240" cy="102240"/>
+            <a:off x="4968000" y="5004000"/>
+            <a:ext cx="3233880" cy="101880"/>
           </a:xfrm>
           <a:prstGeom prst="rect">
             <a:avLst/>
@@ -8003,7 +9852,7 @@
                 <a:spcPct val="100000"/>
               </a:lnSpc>
             </a:pPr>
-            <a:fld id="{518D4C5E-945B-4E24-890D-C09101B90C9D}" type="slidenum">
+            <a:r>
               <a:rPr b="0" lang="en-US" sz="600" spc="-1" strike="noStrike">
                 <a:solidFill>
                   <a:srgbClr val="ffffff"/>
@@ -8011,8 +9860,8 @@
                 <a:latin typeface="Arial"/>
                 <a:ea typeface="DejaVu Sans"/>
               </a:rPr>
-              <a:t>1</a:t>
-            </a:fld>
+              <a:t>React</a:t>
+            </a:r>
             <a:endParaRPr b="0" lang="en-US" sz="600" spc="-1" strike="noStrike">
               <a:latin typeface="Arial"/>
             </a:endParaRPr>
@@ -8021,14 +9870,14 @@
       </p:sp>
       <p:sp>
         <p:nvSpPr>
-          <p:cNvPr id="150" name="CustomShape 4"/>
+          <p:cNvPr id="181" name="CustomShape 4"/>
           <p:cNvSpPr/>
           <p:nvPr/>
         </p:nvSpPr>
         <p:spPr>
           <a:xfrm>
-            <a:off x="876240" y="548640"/>
-            <a:ext cx="6618240" cy="3881520"/>
+            <a:off x="8280000" y="5004000"/>
+            <a:ext cx="137880" cy="101880"/>
           </a:xfrm>
           <a:prstGeom prst="rect">
             <a:avLst/>
@@ -8047,308 +9896,53 @@
         <p:txBody>
           <a:bodyPr lIns="0" rIns="0" tIns="0" bIns="0"/>
           <a:p>
-            <a:pPr>
-              <a:lnSpc>
-                <a:spcPct val="120000"/>
-              </a:lnSpc>
-            </a:pPr>
-            <a:endParaRPr b="0" lang="en-US" sz="1800" spc="-1" strike="noStrike">
-              <a:latin typeface="Arial"/>
-            </a:endParaRPr>
-          </a:p>
-          <a:p>
-            <a:pPr marL="285840" indent="-280080">
-              <a:lnSpc>
-                <a:spcPct val="120000"/>
-              </a:lnSpc>
-              <a:buClr>
-                <a:srgbClr val="000000"/>
-              </a:buClr>
-              <a:buFont typeface="Arial"/>
-              <a:buChar char="•"/>
-            </a:pPr>
-            <a:r>
-              <a:rPr b="0" lang="en-US" sz="1500" spc="-1" strike="noStrike">
+            <a:pPr algn="r">
+              <a:lnSpc>
+                <a:spcPct val="100000"/>
+              </a:lnSpc>
+            </a:pPr>
+            <a:fld id="{669B9EA2-62C9-4E77-ACCD-C70AF656B2A2}" type="slidenum">
+              <a:rPr b="0" lang="en-US" sz="600" spc="-1" strike="noStrike">
                 <a:solidFill>
-                  <a:srgbClr val="000000"/>
+                  <a:srgbClr val="ffffff"/>
                 </a:solidFill>
                 <a:latin typeface="Arial"/>
                 <a:ea typeface="DejaVu Sans"/>
               </a:rPr>
-              <a:t>Git clone </a:t>
-            </a:r>
-            <a:r>
-              <a:rPr b="0" lang="en-US" sz="1500" spc="-1" strike="noStrike" u="sng">
-                <a:solidFill>
-                  <a:srgbClr val="0000ff"/>
-                </a:solidFill>
-                <a:uFillTx/>
-                <a:latin typeface="Arial"/>
-                <a:ea typeface="DejaVu Sans"/>
-                <a:hlinkClick r:id="rId1"/>
-              </a:rPr>
-              <a:t>https://github.com/AMIS-Services/react-series</a:t>
-            </a:r>
-            <a:endParaRPr b="0" lang="en-US" sz="1500" spc="-1" strike="noStrike">
-              <a:latin typeface="Arial"/>
-            </a:endParaRPr>
-          </a:p>
-          <a:p>
-            <a:pPr>
-              <a:lnSpc>
-                <a:spcPct val="120000"/>
-              </a:lnSpc>
-            </a:pPr>
-            <a:endParaRPr b="0" lang="en-US" sz="1500" spc="-1" strike="noStrike">
-              <a:latin typeface="Arial"/>
-            </a:endParaRPr>
-          </a:p>
-          <a:p>
-            <a:pPr marL="285840" indent="-280080">
-              <a:lnSpc>
-                <a:spcPct val="120000"/>
-              </a:lnSpc>
-              <a:buClr>
-                <a:srgbClr val="000000"/>
-              </a:buClr>
-              <a:buFont typeface="Arial"/>
-              <a:buChar char="•"/>
-            </a:pPr>
-            <a:r>
-              <a:rPr b="0" lang="en-US" sz="1500" spc="-1" strike="noStrike">
-                <a:solidFill>
-                  <a:srgbClr val="000000"/>
-                </a:solidFill>
-                <a:latin typeface="Arial"/>
-                <a:ea typeface="DejaVu Sans"/>
-              </a:rPr>
-              <a:t>Cd into dir sig3/exercise/koa, run:</a:t>
-            </a:r>
-            <a:endParaRPr b="0" lang="en-US" sz="1500" spc="-1" strike="noStrike">
-              <a:latin typeface="Arial"/>
-            </a:endParaRPr>
-          </a:p>
-          <a:p>
-            <a:pPr lvl="1" marL="432000" indent="-213120">
-              <a:lnSpc>
-                <a:spcPct val="120000"/>
-              </a:lnSpc>
-              <a:buClr>
-                <a:srgbClr val="000000"/>
-              </a:buClr>
-              <a:buSzPct val="45000"/>
-              <a:buFont typeface="Wingdings" charset="2"/>
-              <a:buChar char=""/>
-            </a:pPr>
-            <a:r>
-              <a:rPr b="0" lang="en-US" sz="1500" spc="-1" strike="noStrike">
-                <a:solidFill>
-                  <a:srgbClr val="000000"/>
-                </a:solidFill>
-                <a:latin typeface="Arial"/>
-                <a:ea typeface="DejaVu Sans"/>
-              </a:rPr>
-              <a:t>`yarn install`</a:t>
-            </a:r>
-            <a:endParaRPr b="0" lang="en-US" sz="1500" spc="-1" strike="noStrike">
-              <a:latin typeface="Arial"/>
-            </a:endParaRPr>
-          </a:p>
-          <a:p>
-            <a:pPr lvl="1" marL="432000" indent="-213120">
-              <a:lnSpc>
-                <a:spcPct val="120000"/>
-              </a:lnSpc>
-              <a:buClr>
-                <a:srgbClr val="000000"/>
-              </a:buClr>
-              <a:buSzPct val="45000"/>
-              <a:buFont typeface="Wingdings" charset="2"/>
-              <a:buChar char=""/>
-            </a:pPr>
-            <a:r>
-              <a:rPr b="0" lang="en-US" sz="1500" spc="-1" strike="noStrike">
-                <a:solidFill>
-                  <a:srgbClr val="000000"/>
-                </a:solidFill>
-                <a:latin typeface="Arial"/>
-                <a:ea typeface="DejaVu Sans"/>
-              </a:rPr>
-              <a:t>`yarn start-db`</a:t>
-            </a:r>
-            <a:endParaRPr b="0" lang="en-US" sz="1500" spc="-1" strike="noStrike">
-              <a:latin typeface="Arial"/>
-            </a:endParaRPr>
-          </a:p>
-          <a:p>
-            <a:pPr lvl="1" marL="432000" indent="-213120">
-              <a:lnSpc>
-                <a:spcPct val="120000"/>
-              </a:lnSpc>
-              <a:buClr>
-                <a:srgbClr val="000000"/>
-              </a:buClr>
-              <a:buSzPct val="45000"/>
-              <a:buFont typeface="Wingdings" charset="2"/>
-              <a:buChar char=""/>
-            </a:pPr>
-            <a:r>
-              <a:rPr b="0" lang="en-US" sz="1500" spc="-1" strike="noStrike">
-                <a:solidFill>
-                  <a:srgbClr val="000000"/>
-                </a:solidFill>
-                <a:latin typeface="Arial"/>
-                <a:ea typeface="DejaVu Sans"/>
-              </a:rPr>
-              <a:t>`yarn start`</a:t>
-            </a:r>
-            <a:endParaRPr b="0" lang="en-US" sz="1500" spc="-1" strike="noStrike">
-              <a:latin typeface="Arial"/>
-            </a:endParaRPr>
-          </a:p>
-          <a:p>
-            <a:pPr lvl="1" marL="432000" indent="-213120">
-              <a:lnSpc>
-                <a:spcPct val="120000"/>
-              </a:lnSpc>
-              <a:buClr>
-                <a:srgbClr val="000000"/>
-              </a:buClr>
-              <a:buSzPct val="45000"/>
-              <a:buFont typeface="Wingdings" charset="2"/>
-              <a:buChar char=""/>
-            </a:pPr>
-            <a:r>
-              <a:rPr b="0" lang="en-US" sz="1500" spc="-1" strike="noStrike">
-                <a:solidFill>
-                  <a:srgbClr val="000000"/>
-                </a:solidFill>
-                <a:latin typeface="Arial"/>
-                <a:ea typeface="DejaVu Sans"/>
-              </a:rPr>
-              <a:t>`yarn seed-db`</a:t>
-            </a:r>
-            <a:endParaRPr b="0" lang="en-US" sz="1500" spc="-1" strike="noStrike">
-              <a:latin typeface="Arial"/>
-            </a:endParaRPr>
-          </a:p>
-          <a:p>
-            <a:pPr marL="285840" indent="-280080">
-              <a:lnSpc>
-                <a:spcPct val="120000"/>
-              </a:lnSpc>
-              <a:buClr>
-                <a:srgbClr val="000000"/>
-              </a:buClr>
-              <a:buFont typeface="Arial"/>
-              <a:buChar char="•"/>
-            </a:pPr>
-            <a:r>
-              <a:rPr b="0" lang="en-US" sz="1500" spc="-1" strike="noStrike">
-                <a:solidFill>
-                  <a:srgbClr val="000000"/>
-                </a:solidFill>
-                <a:latin typeface="Arial"/>
-                <a:ea typeface="DejaVu Sans"/>
-              </a:rPr>
-              <a:t>Visit localhost:3030/accommodations to verify back-end is working</a:t>
-            </a:r>
-            <a:endParaRPr b="0" lang="en-US" sz="1500" spc="-1" strike="noStrike">
-              <a:latin typeface="Arial"/>
-            </a:endParaRPr>
-          </a:p>
-          <a:p>
-            <a:pPr>
-              <a:lnSpc>
-                <a:spcPct val="120000"/>
-              </a:lnSpc>
-            </a:pPr>
-            <a:endParaRPr b="0" lang="en-US" sz="1500" spc="-1" strike="noStrike">
-              <a:latin typeface="Arial"/>
-            </a:endParaRPr>
-          </a:p>
-          <a:p>
-            <a:pPr marL="285840" indent="-280080">
-              <a:lnSpc>
-                <a:spcPct val="120000"/>
-              </a:lnSpc>
-              <a:buClr>
-                <a:srgbClr val="000000"/>
-              </a:buClr>
-              <a:buFont typeface="Arial"/>
-              <a:buChar char="•"/>
-            </a:pPr>
-            <a:r>
-              <a:rPr b="0" lang="en-US" sz="1500" spc="-1" strike="noStrike">
-                <a:solidFill>
-                  <a:srgbClr val="000000"/>
-                </a:solidFill>
-                <a:latin typeface="Arial"/>
-                <a:ea typeface="DejaVu Sans"/>
-              </a:rPr>
-              <a:t>Cd into dir sig3/exercise/react, run `yarn install` and `yarn start`</a:t>
-            </a:r>
-            <a:endParaRPr b="0" lang="en-US" sz="1500" spc="-1" strike="noStrike">
-              <a:latin typeface="Arial"/>
-            </a:endParaRPr>
-          </a:p>
-          <a:p>
-            <a:pPr marL="285840" indent="-280080">
-              <a:lnSpc>
-                <a:spcPct val="120000"/>
-              </a:lnSpc>
-              <a:buClr>
-                <a:srgbClr val="000000"/>
-              </a:buClr>
-              <a:buFont typeface="Arial"/>
-              <a:buChar char="•"/>
-            </a:pPr>
-            <a:r>
-              <a:rPr b="0" lang="en-US" sz="1500" spc="-1" strike="noStrike">
-                <a:solidFill>
-                  <a:srgbClr val="000000"/>
-                </a:solidFill>
-                <a:latin typeface="Arial"/>
-                <a:ea typeface="DejaVu Sans"/>
-              </a:rPr>
-              <a:t>Visit localhost:3000 to verify front-end is working</a:t>
-            </a:r>
-            <a:endParaRPr b="0" lang="en-US" sz="1500" spc="-1" strike="noStrike">
-              <a:latin typeface="Arial"/>
-            </a:endParaRPr>
-          </a:p>
-          <a:p>
-            <a:pPr>
-              <a:lnSpc>
-                <a:spcPct val="120000"/>
-              </a:lnSpc>
-            </a:pPr>
-            <a:r>
-              <a:rPr b="0" lang="en-US" sz="1500" spc="-1" strike="noStrike">
-                <a:solidFill>
-                  <a:srgbClr val="000000"/>
-                </a:solidFill>
-                <a:latin typeface="Arial"/>
-                <a:ea typeface="DejaVu Sans"/>
-              </a:rPr>
-              <a:t> </a:t>
-            </a:r>
-            <a:endParaRPr b="0" lang="en-US" sz="1500" spc="-1" strike="noStrike">
-              <a:latin typeface="Arial"/>
-            </a:endParaRPr>
-          </a:p>
-          <a:p>
-            <a:pPr>
-              <a:lnSpc>
-                <a:spcPct val="120000"/>
-              </a:lnSpc>
-            </a:pPr>
-            <a:endParaRPr b="0" lang="en-US" sz="1500" spc="-1" strike="noStrike">
-              <a:latin typeface="Arial"/>
-            </a:endParaRPr>
-          </a:p>
-        </p:txBody>
-      </p:sp>
+              <a:t>&lt;number&gt;</a:t>
+            </a:fld>
+            <a:endParaRPr b="0" lang="en-US" sz="600" spc="-1" strike="noStrike">
+              <a:latin typeface="Arial"/>
+            </a:endParaRPr>
+          </a:p>
+        </p:txBody>
+      </p:sp>
+      <p:pic>
+        <p:nvPicPr>
+          <p:cNvPr id="182" name="Picture Placeholder 6" descr=""/>
+          <p:cNvPicPr/>
+          <p:nvPr/>
+        </p:nvPicPr>
+        <p:blipFill>
+          <a:blip r:embed="rId1"/>
+          <a:stretch/>
+        </p:blipFill>
+        <p:spPr>
+          <a:xfrm>
+            <a:off x="6840000" y="810000"/>
+            <a:ext cx="2297880" cy="3503880"/>
+          </a:xfrm>
+          <a:prstGeom prst="rect">
+            <a:avLst/>
+          </a:prstGeom>
+          <a:ln w="9360">
+            <a:solidFill>
+              <a:schemeClr val="bg1"/>
+            </a:solidFill>
+            <a:round/>
+          </a:ln>
+        </p:spPr>
+      </p:pic>
     </p:spTree>
   </p:cSld>
   <p:timing>
@@ -8400,14 +9994,14 @@
       </p:grpSpPr>
       <p:sp>
         <p:nvSpPr>
-          <p:cNvPr id="151" name="CustomShape 1"/>
+          <p:cNvPr id="183" name="CustomShape 1"/>
           <p:cNvSpPr/>
           <p:nvPr/>
         </p:nvSpPr>
         <p:spPr>
           <a:xfrm>
             <a:off x="720000" y="288000"/>
-            <a:ext cx="6618240" cy="498240"/>
+            <a:ext cx="6617880" cy="497880"/>
           </a:xfrm>
           <a:prstGeom prst="rect">
             <a:avLst/>
@@ -8439,7 +10033,7 @@
                 <a:latin typeface="Arial"/>
                 <a:ea typeface="DejaVu Sans"/>
               </a:rPr>
-              <a:t>Hands-on: Setting up a user context</a:t>
+              <a:t>Hands-on: Getting started</a:t>
             </a:r>
             <a:endParaRPr b="0" lang="en-US" sz="1800" spc="-1" strike="noStrike">
               <a:latin typeface="Arial"/>
@@ -8449,14 +10043,14 @@
       </p:sp>
       <p:sp>
         <p:nvSpPr>
-          <p:cNvPr id="152" name="CustomShape 2"/>
+          <p:cNvPr id="184" name="CustomShape 2"/>
           <p:cNvSpPr/>
           <p:nvPr/>
         </p:nvSpPr>
         <p:spPr>
           <a:xfrm>
             <a:off x="4968000" y="5004000"/>
-            <a:ext cx="3234240" cy="102240"/>
+            <a:ext cx="3233880" cy="101880"/>
           </a:xfrm>
           <a:prstGeom prst="rect">
             <a:avLst/>
@@ -8498,14 +10092,14 @@
       </p:sp>
       <p:sp>
         <p:nvSpPr>
-          <p:cNvPr id="153" name="CustomShape 3"/>
+          <p:cNvPr id="185" name="CustomShape 3"/>
           <p:cNvSpPr/>
           <p:nvPr/>
         </p:nvSpPr>
         <p:spPr>
           <a:xfrm>
             <a:off x="8280000" y="5004000"/>
-            <a:ext cx="138240" cy="102240"/>
+            <a:ext cx="137880" cy="101880"/>
           </a:xfrm>
           <a:prstGeom prst="rect">
             <a:avLst/>
@@ -8529,7 +10123,7 @@
                 <a:spcPct val="100000"/>
               </a:lnSpc>
             </a:pPr>
-            <a:fld id="{8873CCD4-A4C8-4F5E-A66E-9566348A7482}" type="slidenum">
+            <a:fld id="{B1FAFE4B-0FC3-4EDC-91F3-FB37B5E6CFC0}" type="slidenum">
               <a:rPr b="0" lang="en-US" sz="600" spc="-1" strike="noStrike">
                 <a:solidFill>
                   <a:srgbClr val="ffffff"/>
@@ -8537,7 +10131,7 @@
                 <a:latin typeface="Arial"/>
                 <a:ea typeface="DejaVu Sans"/>
               </a:rPr>
-              <a:t>1</a:t>
+              <a:t>&lt;number&gt;</a:t>
             </a:fld>
             <a:endParaRPr b="0" lang="en-US" sz="600" spc="-1" strike="noStrike">
               <a:latin typeface="Arial"/>
@@ -8547,14 +10141,14 @@
       </p:sp>
       <p:sp>
         <p:nvSpPr>
-          <p:cNvPr id="154" name="CustomShape 4"/>
+          <p:cNvPr id="186" name="CustomShape 4"/>
           <p:cNvSpPr/>
           <p:nvPr/>
         </p:nvSpPr>
         <p:spPr>
           <a:xfrm>
-            <a:off x="640080" y="822960"/>
-            <a:ext cx="6618240" cy="3881520"/>
+            <a:off x="876240" y="548640"/>
+            <a:ext cx="6617880" cy="3881160"/>
           </a:xfrm>
           <a:prstGeom prst="rect">
             <a:avLst/>
@@ -8583,7 +10177,7 @@
             </a:endParaRPr>
           </a:p>
           <a:p>
-            <a:pPr marL="285840" indent="-280080">
+            <a:pPr marL="285840" indent="-279720">
               <a:lnSpc>
                 <a:spcPct val="120000"/>
               </a:lnSpc>
@@ -8601,14 +10195,36 @@
                 <a:latin typeface="Arial"/>
                 <a:ea typeface="DejaVu Sans"/>
               </a:rPr>
-              <a:t>Create a file called context.js in `src/common`</a:t>
+              <a:t>Git clone </a:t>
+            </a:r>
+            <a:r>
+              <a:rPr b="0" lang="en-US" sz="1500" spc="-1" strike="noStrike" u="sng">
+                <a:solidFill>
+                  <a:srgbClr val="0000ff"/>
+                </a:solidFill>
+                <a:uFillTx/>
+                <a:latin typeface="Arial"/>
+                <a:ea typeface="DejaVu Sans"/>
+                <a:hlinkClick r:id="rId1"/>
+              </a:rPr>
+              <a:t>https://github.com/AMIS-Services/react-series</a:t>
             </a:r>
             <a:endParaRPr b="0" lang="en-US" sz="1500" spc="-1" strike="noStrike">
               <a:latin typeface="Arial"/>
             </a:endParaRPr>
           </a:p>
           <a:p>
-            <a:pPr marL="285840" indent="-280080">
+            <a:pPr>
+              <a:lnSpc>
+                <a:spcPct val="120000"/>
+              </a:lnSpc>
+            </a:pPr>
+            <a:endParaRPr b="0" lang="en-US" sz="1500" spc="-1" strike="noStrike">
+              <a:latin typeface="Arial"/>
+            </a:endParaRPr>
+          </a:p>
+          <a:p>
+            <a:pPr marL="285840" indent="-279720">
               <a:lnSpc>
                 <a:spcPct val="120000"/>
               </a:lnSpc>
@@ -8626,14 +10242,118 @@
                 <a:latin typeface="Arial"/>
                 <a:ea typeface="DejaVu Sans"/>
               </a:rPr>
-              <a:t>Initialise a context called UserContext and export it</a:t>
+              <a:t>Cd into dir sig3/exercise/koa, run:</a:t>
             </a:r>
             <a:endParaRPr b="0" lang="en-US" sz="1500" spc="-1" strike="noStrike">
               <a:latin typeface="Arial"/>
             </a:endParaRPr>
           </a:p>
           <a:p>
-            <a:pPr marL="285840" indent="-280080">
+            <a:pPr lvl="1" marL="432000" indent="-212760">
+              <a:lnSpc>
+                <a:spcPct val="120000"/>
+              </a:lnSpc>
+              <a:buClr>
+                <a:srgbClr val="000000"/>
+              </a:buClr>
+              <a:buSzPct val="45000"/>
+              <a:buFont typeface="Wingdings" charset="2"/>
+              <a:buChar char=""/>
+            </a:pPr>
+            <a:r>
+              <a:rPr b="0" lang="en-US" sz="1500" spc="-1" strike="noStrike">
+                <a:solidFill>
+                  <a:srgbClr val="000000"/>
+                </a:solidFill>
+                <a:latin typeface="Arial"/>
+                <a:ea typeface="DejaVu Sans"/>
+              </a:rPr>
+              <a:t>`yarn install`</a:t>
+            </a:r>
+            <a:endParaRPr b="0" lang="en-US" sz="1500" spc="-1" strike="noStrike">
+              <a:latin typeface="Arial"/>
+            </a:endParaRPr>
+          </a:p>
+          <a:p>
+            <a:pPr lvl="1" marL="432000" indent="-212760">
+              <a:lnSpc>
+                <a:spcPct val="120000"/>
+              </a:lnSpc>
+              <a:buClr>
+                <a:srgbClr val="000000"/>
+              </a:buClr>
+              <a:buSzPct val="45000"/>
+              <a:buFont typeface="Wingdings" charset="2"/>
+              <a:buChar char=""/>
+            </a:pPr>
+            <a:r>
+              <a:rPr b="0" lang="en-US" sz="1500" spc="-1" strike="noStrike">
+                <a:solidFill>
+                  <a:srgbClr val="000000"/>
+                </a:solidFill>
+                <a:latin typeface="Arial"/>
+                <a:ea typeface="DejaVu Sans"/>
+              </a:rPr>
+              <a:t>`yarn start-db`</a:t>
+            </a:r>
+            <a:endParaRPr b="0" lang="en-US" sz="1500" spc="-1" strike="noStrike">
+              <a:latin typeface="Arial"/>
+            </a:endParaRPr>
+          </a:p>
+          <a:p>
+            <a:pPr lvl="1" marL="432000" indent="-212760">
+              <a:lnSpc>
+                <a:spcPct val="120000"/>
+              </a:lnSpc>
+              <a:buClr>
+                <a:srgbClr val="000000"/>
+              </a:buClr>
+              <a:buSzPct val="45000"/>
+              <a:buFont typeface="Wingdings" charset="2"/>
+              <a:buChar char=""/>
+            </a:pPr>
+            <a:r>
+              <a:rPr b="0" lang="en-US" sz="1500" spc="-1" strike="noStrike">
+                <a:solidFill>
+                  <a:srgbClr val="000000"/>
+                </a:solidFill>
+                <a:latin typeface="Arial"/>
+                <a:ea typeface="DejaVu Sans"/>
+              </a:rPr>
+              <a:t>`yarn start`</a:t>
+            </a:r>
+            <a:endParaRPr b="0" lang="en-US" sz="1500" spc="-1" strike="noStrike">
+              <a:latin typeface="Arial"/>
+            </a:endParaRPr>
+          </a:p>
+          <a:p>
+            <a:pPr lvl="1" marL="432000" indent="-212760">
+              <a:lnSpc>
+                <a:spcPct val="120000"/>
+              </a:lnSpc>
+              <a:buClr>
+                <a:srgbClr val="000000"/>
+              </a:buClr>
+              <a:buSzPct val="45000"/>
+              <a:buFont typeface="Wingdings" charset="2"/>
+              <a:buChar char=""/>
+            </a:pPr>
+            <a:r>
+              <a:rPr b="0" lang="en-US" sz="1500" spc="-1" strike="noStrike">
+                <a:solidFill>
+                  <a:srgbClr val="000000"/>
+                </a:solidFill>
+                <a:latin typeface="Arial"/>
+                <a:ea typeface="DejaVu Sans"/>
+              </a:rPr>
+              <a:t>`yarn seed-db`</a:t>
+            </a:r>
+            <a:endParaRPr b="0" lang="en-US" sz="1500" spc="-1" strike="noStrike">
+              <a:latin typeface="Arial"/>
+            </a:endParaRPr>
+          </a:p>
+          <a:p>
+            <a:pPr marL="285840" indent="-279720">
               <a:lnSpc>
                 <a:spcPct val="120000"/>
               </a:lnSpc>
@@ -8651,14 +10371,24 @@
                 <a:latin typeface="Arial"/>
                 <a:ea typeface="DejaVu Sans"/>
               </a:rPr>
-              <a:t>Import the context in Frame.js and use it in a &lt;UserContext.provider /&gt;</a:t>
+              <a:t>Visit localhost:3030/accommodations to verify back-end is working</a:t>
             </a:r>
             <a:endParaRPr b="0" lang="en-US" sz="1500" spc="-1" strike="noStrike">
               <a:latin typeface="Arial"/>
             </a:endParaRPr>
           </a:p>
           <a:p>
-            <a:pPr marL="285840" indent="-280080">
+            <a:pPr>
+              <a:lnSpc>
+                <a:spcPct val="120000"/>
+              </a:lnSpc>
+            </a:pPr>
+            <a:endParaRPr b="0" lang="en-US" sz="1500" spc="-1" strike="noStrike">
+              <a:latin typeface="Arial"/>
+            </a:endParaRPr>
+          </a:p>
+          <a:p>
+            <a:pPr marL="285840" indent="-279720">
               <a:lnSpc>
                 <a:spcPct val="120000"/>
               </a:lnSpc>
@@ -8676,14 +10406,14 @@
                 <a:latin typeface="Arial"/>
                 <a:ea typeface="DejaVu Sans"/>
               </a:rPr>
-              <a:t>Add state to the Frame component, consisting of a currently undefined user and a login function </a:t>
+              <a:t>Cd into dir sig3/exercise/react, run `yarn install` and `yarn start`</a:t>
             </a:r>
             <a:endParaRPr b="0" lang="en-US" sz="1500" spc="-1" strike="noStrike">
               <a:latin typeface="Arial"/>
             </a:endParaRPr>
           </a:p>
           <a:p>
-            <a:pPr marL="285840" indent="-280080">
+            <a:pPr marL="285840" indent="-279720">
               <a:lnSpc>
                 <a:spcPct val="120000"/>
               </a:lnSpc>
@@ -8701,22 +10431,17 @@
                 <a:latin typeface="Arial"/>
                 <a:ea typeface="DejaVu Sans"/>
               </a:rPr>
-              <a:t>In the login function, use the login function from src/common/auth.js. Set sate.user to the user it returns</a:t>
+              <a:t>Visit localhost:3000 to verify front-end is working</a:t>
             </a:r>
             <a:endParaRPr b="0" lang="en-US" sz="1500" spc="-1" strike="noStrike">
               <a:latin typeface="Arial"/>
             </a:endParaRPr>
           </a:p>
           <a:p>
-            <a:pPr marL="285840" indent="-280080">
+            <a:pPr>
               <a:lnSpc>
                 <a:spcPct val="120000"/>
               </a:lnSpc>
-              <a:buClr>
-                <a:srgbClr val="000000"/>
-              </a:buClr>
-              <a:buFont typeface="Arial"/>
-              <a:buChar char="•"/>
             </a:pPr>
             <a:r>
               <a:rPr b="0" lang="en-US" sz="1500" spc="-1" strike="noStrike">
@@ -8726,67 +10451,7 @@
                 <a:latin typeface="Arial"/>
                 <a:ea typeface="DejaVu Sans"/>
               </a:rPr>
-              <a:t>As the UserContext value pass entire state </a:t>
-            </a:r>
-            <a:endParaRPr b="0" lang="en-US" sz="1500" spc="-1" strike="noStrike">
-              <a:latin typeface="Arial"/>
-            </a:endParaRPr>
-          </a:p>
-          <a:p>
-            <a:pPr marL="285840" indent="-280080">
-              <a:lnSpc>
-                <a:spcPct val="120000"/>
-              </a:lnSpc>
-              <a:buClr>
-                <a:srgbClr val="000000"/>
-              </a:buClr>
-              <a:buFont typeface="Arial"/>
-              <a:buChar char="•"/>
-            </a:pPr>
-            <a:r>
-              <a:rPr b="0" lang="en-US" sz="1500" spc="-1" strike="noStrike">
-                <a:solidFill>
-                  <a:srgbClr val="000000"/>
-                </a:solidFill>
-                <a:latin typeface="Arial"/>
-                <a:ea typeface="DejaVu Sans"/>
-              </a:rPr>
-              <a:t>Wrap the JSX the Appbar returns in a &lt;UserContext.Consumer /&gt; and conditionally show either the users userName or the word login</a:t>
-            </a:r>
-            <a:endParaRPr b="0" lang="en-US" sz="1500" spc="-1" strike="noStrike">
-              <a:latin typeface="Arial"/>
-            </a:endParaRPr>
-          </a:p>
-          <a:p>
-            <a:pPr>
-              <a:lnSpc>
-                <a:spcPct val="120000"/>
-              </a:lnSpc>
-            </a:pPr>
-            <a:endParaRPr b="0" lang="en-US" sz="1500" spc="-1" strike="noStrike">
-              <a:latin typeface="Arial"/>
-            </a:endParaRPr>
-          </a:p>
-          <a:p>
-            <a:pPr marL="285840" indent="-280080">
-              <a:lnSpc>
-                <a:spcPct val="120000"/>
-              </a:lnSpc>
-              <a:buClr>
-                <a:srgbClr val="000000"/>
-              </a:buClr>
-              <a:buFont typeface="Arial"/>
-              <a:buChar char="•"/>
-            </a:pPr>
-            <a:r>
-              <a:rPr b="0" lang="en-US" sz="1500" spc="-1" strike="noStrike">
-                <a:solidFill>
-                  <a:srgbClr val="000000"/>
-                </a:solidFill>
-                <a:latin typeface="Arial"/>
-                <a:ea typeface="DejaVu Sans"/>
-              </a:rPr>
-              <a:t>BONUS: Add logging out</a:t>
+              <a:t> </a:t>
             </a:r>
             <a:endParaRPr b="0" lang="en-US" sz="1500" spc="-1" strike="noStrike">
               <a:latin typeface="Arial"/>
@@ -8855,14 +10520,14 @@
       </p:grpSpPr>
       <p:sp>
         <p:nvSpPr>
-          <p:cNvPr id="155" name="CustomShape 1"/>
+          <p:cNvPr id="187" name="CustomShape 1"/>
           <p:cNvSpPr/>
           <p:nvPr/>
         </p:nvSpPr>
         <p:spPr>
           <a:xfrm>
             <a:off x="720000" y="288000"/>
-            <a:ext cx="6618240" cy="498240"/>
+            <a:ext cx="6617880" cy="497880"/>
           </a:xfrm>
           <a:prstGeom prst="rect">
             <a:avLst/>
@@ -8894,7 +10559,7 @@
                 <a:latin typeface="Arial"/>
                 <a:ea typeface="DejaVu Sans"/>
               </a:rPr>
-              <a:t>Hands-on: Uncontrolled form</a:t>
+              <a:t>Hands-on: Setting up a user context</a:t>
             </a:r>
             <a:endParaRPr b="0" lang="en-US" sz="1800" spc="-1" strike="noStrike">
               <a:latin typeface="Arial"/>
@@ -8904,14 +10569,14 @@
       </p:sp>
       <p:sp>
         <p:nvSpPr>
-          <p:cNvPr id="156" name="CustomShape 2"/>
+          <p:cNvPr id="188" name="CustomShape 2"/>
           <p:cNvSpPr/>
           <p:nvPr/>
         </p:nvSpPr>
         <p:spPr>
           <a:xfrm>
             <a:off x="4968000" y="5004000"/>
-            <a:ext cx="3234240" cy="102240"/>
+            <a:ext cx="3233880" cy="101880"/>
           </a:xfrm>
           <a:prstGeom prst="rect">
             <a:avLst/>
@@ -8953,14 +10618,14 @@
       </p:sp>
       <p:sp>
         <p:nvSpPr>
-          <p:cNvPr id="157" name="CustomShape 3"/>
+          <p:cNvPr id="189" name="CustomShape 3"/>
           <p:cNvSpPr/>
           <p:nvPr/>
         </p:nvSpPr>
         <p:spPr>
           <a:xfrm>
             <a:off x="8280000" y="5004000"/>
-            <a:ext cx="138240" cy="102240"/>
+            <a:ext cx="137880" cy="101880"/>
           </a:xfrm>
           <a:prstGeom prst="rect">
             <a:avLst/>
@@ -8984,7 +10649,7 @@
                 <a:spcPct val="100000"/>
               </a:lnSpc>
             </a:pPr>
-            <a:fld id="{142BA06C-0901-48F8-AD25-B14612CBF593}" type="slidenum">
+            <a:fld id="{F0ECC780-B521-41B2-91CE-DC99C6C6AD74}" type="slidenum">
               <a:rPr b="0" lang="en-US" sz="600" spc="-1" strike="noStrike">
                 <a:solidFill>
                   <a:srgbClr val="ffffff"/>
@@ -8992,7 +10657,7 @@
                 <a:latin typeface="Arial"/>
                 <a:ea typeface="DejaVu Sans"/>
               </a:rPr>
-              <a:t>1</a:t>
+              <a:t>&lt;number&gt;</a:t>
             </a:fld>
             <a:endParaRPr b="0" lang="en-US" sz="600" spc="-1" strike="noStrike">
               <a:latin typeface="Arial"/>
@@ -9002,14 +10667,14 @@
       </p:sp>
       <p:sp>
         <p:nvSpPr>
-          <p:cNvPr id="158" name="CustomShape 4"/>
+          <p:cNvPr id="190" name="CustomShape 4"/>
           <p:cNvSpPr/>
           <p:nvPr/>
         </p:nvSpPr>
         <p:spPr>
           <a:xfrm>
             <a:off x="640080" y="822960"/>
-            <a:ext cx="6618240" cy="3881520"/>
+            <a:ext cx="6617880" cy="3881160"/>
           </a:xfrm>
           <a:prstGeom prst="rect">
             <a:avLst/>
@@ -9028,232 +10693,17 @@
         <p:txBody>
           <a:bodyPr lIns="0" rIns="0" tIns="0" bIns="0"/>
           <a:p>
-            <a:pPr marL="216000" indent="-215280">
+            <a:pPr>
               <a:lnSpc>
                 <a:spcPct val="120000"/>
               </a:lnSpc>
-              <a:buClr>
-                <a:srgbClr val="000000"/>
-              </a:buClr>
-              <a:buFont typeface="Wingdings" charset="2"/>
-              <a:buChar char=""/>
-            </a:pPr>
-            <a:r>
-              <a:rPr b="0" lang="en-US" sz="1400" spc="-1" strike="noStrike">
-                <a:solidFill>
-                  <a:srgbClr val="000000"/>
-                </a:solidFill>
-                <a:latin typeface="Arial"/>
-                <a:ea typeface="DejaVu Sans"/>
-              </a:rPr>
-              <a:t>Create a LoginDialog component, pass it the properties open (a boolean) and handleClose (a function)</a:t>
-            </a:r>
-            <a:endParaRPr b="0" lang="en-US" sz="1400" spc="-1" strike="noStrike">
-              <a:latin typeface="Arial"/>
-            </a:endParaRPr>
-          </a:p>
-          <a:p>
-            <a:pPr marL="216000" indent="-215280">
-              <a:lnSpc>
-                <a:spcPct val="120000"/>
-              </a:lnSpc>
-              <a:buClr>
-                <a:srgbClr val="000000"/>
-              </a:buClr>
-              <a:buFont typeface="Wingdings" charset="2"/>
-              <a:buChar char=""/>
-            </a:pPr>
-            <a:r>
-              <a:rPr b="0" lang="en-US" sz="1400" spc="-1" strike="noStrike">
-                <a:solidFill>
-                  <a:srgbClr val="000000"/>
-                </a:solidFill>
-                <a:latin typeface="Arial"/>
-                <a:ea typeface="DejaVu Sans"/>
-              </a:rPr>
-              <a:t>In the render method, return a MUI &lt;Dialog /&gt;. Pass it the property open from your LoginDialog props.</a:t>
-            </a:r>
-            <a:endParaRPr b="0" lang="en-US" sz="1400" spc="-1" strike="noStrike">
-              <a:latin typeface="Arial"/>
-            </a:endParaRPr>
-          </a:p>
-          <a:p>
-            <a:pPr marL="216000" indent="-215280">
-              <a:lnSpc>
-                <a:spcPct val="120000"/>
-              </a:lnSpc>
-              <a:buClr>
-                <a:srgbClr val="000000"/>
-              </a:buClr>
-              <a:buFont typeface="Wingdings" charset="2"/>
-              <a:buChar char=""/>
-            </a:pPr>
-            <a:r>
-              <a:rPr b="0" lang="en-US" sz="1400" spc="-1" strike="noStrike">
-                <a:solidFill>
-                  <a:srgbClr val="000000"/>
-                </a:solidFill>
-                <a:latin typeface="Arial"/>
-                <a:ea typeface="DejaVu Sans"/>
-              </a:rPr>
-              <a:t>Add two Inputs for email and password as well as a Button from MUI</a:t>
-            </a:r>
-            <a:endParaRPr b="0" lang="en-US" sz="1400" spc="-1" strike="noStrike">
-              <a:latin typeface="Arial"/>
-            </a:endParaRPr>
-          </a:p>
-          <a:p>
-            <a:pPr marL="216000" indent="-215280">
-              <a:lnSpc>
-                <a:spcPct val="120000"/>
-              </a:lnSpc>
-              <a:buClr>
-                <a:srgbClr val="000000"/>
-              </a:buClr>
-              <a:buFont typeface="Wingdings" charset="2"/>
-              <a:buChar char=""/>
-            </a:pPr>
-            <a:r>
-              <a:rPr b="0" lang="en-US" sz="1400" spc="-1" strike="noStrike">
-                <a:solidFill>
-                  <a:srgbClr val="000000"/>
-                </a:solidFill>
-                <a:latin typeface="Arial"/>
-                <a:ea typeface="DejaVu Sans"/>
-              </a:rPr>
-              <a:t>Initialize two refs in the constructor and add them to the Inputs using callbacks in their inputRef property</a:t>
-            </a:r>
-            <a:endParaRPr b="0" lang="en-US" sz="1400" spc="-1" strike="noStrike">
-              <a:latin typeface="Arial"/>
-            </a:endParaRPr>
-          </a:p>
-          <a:p>
-            <a:pPr marL="216000" indent="-215280">
-              <a:lnSpc>
-                <a:spcPct val="120000"/>
-              </a:lnSpc>
-              <a:buClr>
-                <a:srgbClr val="000000"/>
-              </a:buClr>
-              <a:buFont typeface="Wingdings" charset="2"/>
-              <a:buChar char=""/>
-            </a:pPr>
-            <a:r>
-              <a:rPr b="0" lang="en-US" sz="1400" spc="-1" strike="noStrike">
-                <a:solidFill>
-                  <a:srgbClr val="000000"/>
-                </a:solidFill>
-                <a:latin typeface="Arial"/>
-                <a:ea typeface="DejaVu Sans"/>
-              </a:rPr>
-              <a:t>Create a handleLogin function and add it to the onClick of the button.</a:t>
-            </a:r>
-            <a:endParaRPr b="0" lang="en-US" sz="1400" spc="-1" strike="noStrike">
-              <a:latin typeface="Arial"/>
-            </a:endParaRPr>
-          </a:p>
-          <a:p>
-            <a:pPr marL="216000" indent="-215280">
-              <a:lnSpc>
-                <a:spcPct val="120000"/>
-              </a:lnSpc>
-              <a:buClr>
-                <a:srgbClr val="000000"/>
-              </a:buClr>
-              <a:buFont typeface="Wingdings" charset="2"/>
-              <a:buChar char=""/>
-            </a:pPr>
-            <a:r>
-              <a:rPr b="0" lang="en-US" sz="1400" spc="-1" strike="noStrike">
-                <a:solidFill>
-                  <a:srgbClr val="000000"/>
-                </a:solidFill>
-                <a:latin typeface="Arial"/>
-                <a:ea typeface="DejaVu Sans"/>
-              </a:rPr>
-              <a:t>Below your class, add `LoginDialog.contextType = UserContextAdd the login logic from your context to your handleLogin function.</a:t>
-            </a:r>
-            <a:endParaRPr b="0" lang="en-US" sz="1400" spc="-1" strike="noStrike">
-              <a:latin typeface="Arial"/>
-            </a:endParaRPr>
-          </a:p>
-          <a:p>
-            <a:pPr marL="216000" indent="-215280">
-              <a:lnSpc>
-                <a:spcPct val="120000"/>
-              </a:lnSpc>
-              <a:buClr>
-                <a:srgbClr val="000000"/>
-              </a:buClr>
-              <a:buFont typeface="Wingdings" charset="2"/>
-              <a:buChar char=""/>
-            </a:pPr>
-            <a:r>
-              <a:rPr b="0" lang="en-US" sz="1400" spc="-1" strike="noStrike">
-                <a:solidFill>
-                  <a:srgbClr val="000000"/>
-                </a:solidFill>
-                <a:latin typeface="Arial"/>
-                <a:ea typeface="DejaVu Sans"/>
-              </a:rPr>
-              <a:t>Change the &lt;Appbar /&gt; render to contain the &lt;LoginDialog /&gt;. Add the necessary functions and state members to manage the `open` prop of the LoginDialog. Pass LoginDialog the necessary function in handleClose</a:t>
-            </a:r>
-            <a:endParaRPr b="0" lang="en-US" sz="1400" spc="-1" strike="noStrike">
-              <a:latin typeface="Arial"/>
-            </a:endParaRPr>
-          </a:p>
-          <a:p>
-            <a:pPr marL="216000" indent="-215280">
-              <a:lnSpc>
-                <a:spcPct val="120000"/>
-              </a:lnSpc>
-              <a:buClr>
-                <a:srgbClr val="000000"/>
-              </a:buClr>
-              <a:buFont typeface="Wingdings" charset="2"/>
-              <a:buChar char=""/>
-            </a:pPr>
-            <a:r>
-              <a:rPr b="0" lang="en-US" sz="1400" spc="-1" strike="noStrike">
-                <a:solidFill>
-                  <a:srgbClr val="000000"/>
-                </a:solidFill>
-                <a:latin typeface="Arial"/>
-                <a:ea typeface="DejaVu Sans"/>
-              </a:rPr>
-              <a:t>BONUS: make the ‘favorite’ on the accommodations work again. The favorite accommodations list can be found on the user object.</a:t>
-            </a:r>
-            <a:endParaRPr b="0" lang="en-US" sz="1400" spc="-1" strike="noStrike">
-              <a:latin typeface="Arial"/>
-            </a:endParaRPr>
-          </a:p>
-          <a:p>
-            <a:pPr marL="216000" indent="-215280">
-              <a:lnSpc>
-                <a:spcPct val="120000"/>
-              </a:lnSpc>
-              <a:buClr>
-                <a:srgbClr val="000000"/>
-              </a:buClr>
-              <a:buFont typeface="Wingdings" charset="2"/>
-              <a:buChar char=""/>
-            </a:pPr>
-            <a:r>
-              <a:rPr b="0" lang="en-US" sz="1400" spc="-1" strike="noStrike">
-                <a:solidFill>
-                  <a:srgbClr val="000000"/>
-                </a:solidFill>
-                <a:latin typeface="Arial"/>
-                <a:ea typeface="DejaVu Sans"/>
-              </a:rPr>
-              <a:t>BONUS: add validation to the ‘email’ field of the login dialog</a:t>
-            </a:r>
-            <a:endParaRPr b="0" lang="en-US" sz="1400" spc="-1" strike="noStrike">
-              <a:latin typeface="Arial"/>
-            </a:endParaRPr>
-          </a:p>
-          <a:p>
-            <a:pPr marL="285840" indent="-280080">
+            </a:pPr>
+            <a:endParaRPr b="0" lang="en-US" sz="1800" spc="-1" strike="noStrike">
+              <a:latin typeface="Arial"/>
+            </a:endParaRPr>
+          </a:p>
+          <a:p>
+            <a:pPr marL="285840" indent="-279720">
               <a:lnSpc>
                 <a:spcPct val="120000"/>
               </a:lnSpc>
@@ -9264,16 +10714,211 @@
               <a:buChar char="•"/>
             </a:pPr>
             <a:r>
-              <a:rPr b="0" lang="en-US" sz="1400" spc="-1" strike="noStrike">
+              <a:rPr b="0" lang="en-US" sz="1500" spc="-1" strike="noStrike">
                 <a:solidFill>
                   <a:srgbClr val="000000"/>
                 </a:solidFill>
                 <a:latin typeface="Arial"/>
                 <a:ea typeface="DejaVu Sans"/>
               </a:rPr>
-              <a:t> </a:t>
-            </a:r>
-            <a:endParaRPr b="0" lang="en-US" sz="1400" spc="-1" strike="noStrike">
+              <a:t>Create a file called context.js in `src/common`</a:t>
+            </a:r>
+            <a:endParaRPr b="0" lang="en-US" sz="1500" spc="-1" strike="noStrike">
+              <a:latin typeface="Arial"/>
+            </a:endParaRPr>
+          </a:p>
+          <a:p>
+            <a:pPr marL="285840" indent="-279720">
+              <a:lnSpc>
+                <a:spcPct val="120000"/>
+              </a:lnSpc>
+              <a:buClr>
+                <a:srgbClr val="000000"/>
+              </a:buClr>
+              <a:buFont typeface="Arial"/>
+              <a:buChar char="•"/>
+            </a:pPr>
+            <a:r>
+              <a:rPr b="0" lang="en-US" sz="1500" spc="-1" strike="noStrike">
+                <a:solidFill>
+                  <a:srgbClr val="000000"/>
+                </a:solidFill>
+                <a:latin typeface="Arial"/>
+                <a:ea typeface="DejaVu Sans"/>
+              </a:rPr>
+              <a:t>Initialise a context called UserContext and export it</a:t>
+            </a:r>
+            <a:endParaRPr b="0" lang="en-US" sz="1500" spc="-1" strike="noStrike">
+              <a:latin typeface="Arial"/>
+            </a:endParaRPr>
+          </a:p>
+          <a:p>
+            <a:pPr marL="285840" indent="-279720">
+              <a:lnSpc>
+                <a:spcPct val="120000"/>
+              </a:lnSpc>
+              <a:buClr>
+                <a:srgbClr val="000000"/>
+              </a:buClr>
+              <a:buFont typeface="Arial"/>
+              <a:buChar char="•"/>
+            </a:pPr>
+            <a:r>
+              <a:rPr b="0" lang="en-US" sz="1500" spc="-1" strike="noStrike">
+                <a:solidFill>
+                  <a:srgbClr val="000000"/>
+                </a:solidFill>
+                <a:latin typeface="Arial"/>
+                <a:ea typeface="DejaVu Sans"/>
+              </a:rPr>
+              <a:t>Import the context in Frame.js and use it in a &lt;UserContext.provider /&gt;</a:t>
+            </a:r>
+            <a:endParaRPr b="0" lang="en-US" sz="1500" spc="-1" strike="noStrike">
+              <a:latin typeface="Arial"/>
+            </a:endParaRPr>
+          </a:p>
+          <a:p>
+            <a:pPr marL="285840" indent="-279720">
+              <a:lnSpc>
+                <a:spcPct val="120000"/>
+              </a:lnSpc>
+              <a:buClr>
+                <a:srgbClr val="000000"/>
+              </a:buClr>
+              <a:buFont typeface="Arial"/>
+              <a:buChar char="•"/>
+            </a:pPr>
+            <a:r>
+              <a:rPr b="0" lang="en-US" sz="1500" spc="-1" strike="noStrike">
+                <a:solidFill>
+                  <a:srgbClr val="000000"/>
+                </a:solidFill>
+                <a:latin typeface="Arial"/>
+                <a:ea typeface="DejaVu Sans"/>
+              </a:rPr>
+              <a:t>Add state to the Frame component, consisting of a currently undefined user and a login function </a:t>
+            </a:r>
+            <a:endParaRPr b="0" lang="en-US" sz="1500" spc="-1" strike="noStrike">
+              <a:latin typeface="Arial"/>
+            </a:endParaRPr>
+          </a:p>
+          <a:p>
+            <a:pPr marL="285840" indent="-279720">
+              <a:lnSpc>
+                <a:spcPct val="120000"/>
+              </a:lnSpc>
+              <a:buClr>
+                <a:srgbClr val="000000"/>
+              </a:buClr>
+              <a:buFont typeface="Arial"/>
+              <a:buChar char="•"/>
+            </a:pPr>
+            <a:r>
+              <a:rPr b="0" lang="en-US" sz="1500" spc="-1" strike="noStrike">
+                <a:solidFill>
+                  <a:srgbClr val="000000"/>
+                </a:solidFill>
+                <a:latin typeface="Arial"/>
+                <a:ea typeface="DejaVu Sans"/>
+              </a:rPr>
+              <a:t>In the login function, use the login function from src/common/auth.js. Set sate.user to the user it returns</a:t>
+            </a:r>
+            <a:endParaRPr b="0" lang="en-US" sz="1500" spc="-1" strike="noStrike">
+              <a:latin typeface="Arial"/>
+            </a:endParaRPr>
+          </a:p>
+          <a:p>
+            <a:pPr marL="285840" indent="-279720">
+              <a:lnSpc>
+                <a:spcPct val="120000"/>
+              </a:lnSpc>
+              <a:buClr>
+                <a:srgbClr val="000000"/>
+              </a:buClr>
+              <a:buFont typeface="Arial"/>
+              <a:buChar char="•"/>
+            </a:pPr>
+            <a:r>
+              <a:rPr b="0" lang="en-US" sz="1500" spc="-1" strike="noStrike">
+                <a:solidFill>
+                  <a:srgbClr val="000000"/>
+                </a:solidFill>
+                <a:latin typeface="Arial"/>
+                <a:ea typeface="DejaVu Sans"/>
+              </a:rPr>
+              <a:t>As the UserContext value pass entire state </a:t>
+            </a:r>
+            <a:endParaRPr b="0" lang="en-US" sz="1500" spc="-1" strike="noStrike">
+              <a:latin typeface="Arial"/>
+            </a:endParaRPr>
+          </a:p>
+          <a:p>
+            <a:pPr marL="285840" indent="-279720">
+              <a:lnSpc>
+                <a:spcPct val="120000"/>
+              </a:lnSpc>
+              <a:buClr>
+                <a:srgbClr val="000000"/>
+              </a:buClr>
+              <a:buFont typeface="Arial"/>
+              <a:buChar char="•"/>
+            </a:pPr>
+            <a:r>
+              <a:rPr b="0" lang="en-US" sz="1500" spc="-1" strike="noStrike">
+                <a:solidFill>
+                  <a:srgbClr val="000000"/>
+                </a:solidFill>
+                <a:latin typeface="Arial"/>
+                <a:ea typeface="DejaVu Sans"/>
+              </a:rPr>
+              <a:t>Wrap the JSX the Appbar returns in a &lt;UserContext.Consumer /&gt; and conditionally show either the users userName or the word login</a:t>
+            </a:r>
+            <a:endParaRPr b="0" lang="en-US" sz="1500" spc="-1" strike="noStrike">
+              <a:latin typeface="Arial"/>
+            </a:endParaRPr>
+          </a:p>
+          <a:p>
+            <a:pPr>
+              <a:lnSpc>
+                <a:spcPct val="120000"/>
+              </a:lnSpc>
+            </a:pPr>
+            <a:endParaRPr b="0" lang="en-US" sz="1500" spc="-1" strike="noStrike">
+              <a:latin typeface="Arial"/>
+            </a:endParaRPr>
+          </a:p>
+          <a:p>
+            <a:pPr marL="285840" indent="-279720">
+              <a:lnSpc>
+                <a:spcPct val="120000"/>
+              </a:lnSpc>
+              <a:buClr>
+                <a:srgbClr val="000000"/>
+              </a:buClr>
+              <a:buFont typeface="Arial"/>
+              <a:buChar char="•"/>
+            </a:pPr>
+            <a:r>
+              <a:rPr b="0" lang="en-US" sz="1500" spc="-1" strike="noStrike">
+                <a:solidFill>
+                  <a:srgbClr val="000000"/>
+                </a:solidFill>
+                <a:latin typeface="Arial"/>
+                <a:ea typeface="DejaVu Sans"/>
+              </a:rPr>
+              <a:t>BONUS: Add logging out</a:t>
+            </a:r>
+            <a:endParaRPr b="0" lang="en-US" sz="1500" spc="-1" strike="noStrike">
+              <a:latin typeface="Arial"/>
+            </a:endParaRPr>
+          </a:p>
+          <a:p>
+            <a:pPr>
+              <a:lnSpc>
+                <a:spcPct val="120000"/>
+              </a:lnSpc>
+            </a:pPr>
+            <a:endParaRPr b="0" lang="en-US" sz="1500" spc="-1" strike="noStrike">
               <a:latin typeface="Arial"/>
             </a:endParaRPr>
           </a:p>
@@ -9330,14 +10975,14 @@
       </p:grpSpPr>
       <p:sp>
         <p:nvSpPr>
-          <p:cNvPr id="159" name="CustomShape 1"/>
+          <p:cNvPr id="191" name="CustomShape 1"/>
           <p:cNvSpPr/>
           <p:nvPr/>
         </p:nvSpPr>
         <p:spPr>
           <a:xfrm>
             <a:off x="720000" y="288000"/>
-            <a:ext cx="6618240" cy="498240"/>
+            <a:ext cx="6617880" cy="497880"/>
           </a:xfrm>
           <a:prstGeom prst="rect">
             <a:avLst/>
@@ -9369,7 +11014,7 @@
                 <a:latin typeface="Arial"/>
                 <a:ea typeface="DejaVu Sans"/>
               </a:rPr>
-              <a:t>Hands-on: Controlled form</a:t>
+              <a:t>Hands-on: Uncontrolled form</a:t>
             </a:r>
             <a:endParaRPr b="0" lang="en-US" sz="1800" spc="-1" strike="noStrike">
               <a:latin typeface="Arial"/>
@@ -9379,14 +11024,14 @@
       </p:sp>
       <p:sp>
         <p:nvSpPr>
-          <p:cNvPr id="160" name="CustomShape 2"/>
+          <p:cNvPr id="192" name="CustomShape 2"/>
           <p:cNvSpPr/>
           <p:nvPr/>
         </p:nvSpPr>
         <p:spPr>
           <a:xfrm>
             <a:off x="4968000" y="5004000"/>
-            <a:ext cx="3234240" cy="102240"/>
+            <a:ext cx="3233880" cy="101880"/>
           </a:xfrm>
           <a:prstGeom prst="rect">
             <a:avLst/>
@@ -9428,14 +11073,14 @@
       </p:sp>
       <p:sp>
         <p:nvSpPr>
-          <p:cNvPr id="161" name="CustomShape 3"/>
+          <p:cNvPr id="193" name="CustomShape 3"/>
           <p:cNvSpPr/>
           <p:nvPr/>
         </p:nvSpPr>
         <p:spPr>
           <a:xfrm>
             <a:off x="8280000" y="5004000"/>
-            <a:ext cx="138240" cy="102240"/>
+            <a:ext cx="137880" cy="101880"/>
           </a:xfrm>
           <a:prstGeom prst="rect">
             <a:avLst/>
@@ -9459,7 +11104,7 @@
                 <a:spcPct val="100000"/>
               </a:lnSpc>
             </a:pPr>
-            <a:fld id="{8FAED640-A90A-4C7A-9939-3F78B489A44B}" type="slidenum">
+            <a:fld id="{4CF372A2-D0E0-4910-8E41-6EF4B94AE00C}" type="slidenum">
               <a:rPr b="0" lang="en-US" sz="600" spc="-1" strike="noStrike">
                 <a:solidFill>
                   <a:srgbClr val="ffffff"/>
@@ -9467,7 +11112,7 @@
                 <a:latin typeface="Arial"/>
                 <a:ea typeface="DejaVu Sans"/>
               </a:rPr>
-              <a:t>1</a:t>
+              <a:t>&lt;number&gt;</a:t>
             </a:fld>
             <a:endParaRPr b="0" lang="en-US" sz="600" spc="-1" strike="noStrike">
               <a:latin typeface="Arial"/>
@@ -9477,14 +11122,14 @@
       </p:sp>
       <p:sp>
         <p:nvSpPr>
-          <p:cNvPr id="162" name="CustomShape 4"/>
+          <p:cNvPr id="194" name="CustomShape 4"/>
           <p:cNvSpPr/>
           <p:nvPr/>
         </p:nvSpPr>
         <p:spPr>
           <a:xfrm>
             <a:off x="640080" y="822960"/>
-            <a:ext cx="6618240" cy="3881520"/>
+            <a:ext cx="6617880" cy="3881160"/>
           </a:xfrm>
           <a:prstGeom prst="rect">
             <a:avLst/>
@@ -9503,17 +11148,232 @@
         <p:txBody>
           <a:bodyPr lIns="0" rIns="0" tIns="0" bIns="0"/>
           <a:p>
-            <a:pPr>
+            <a:pPr marL="216000" indent="-214920">
               <a:lnSpc>
                 <a:spcPct val="120000"/>
               </a:lnSpc>
-            </a:pPr>
-            <a:endParaRPr b="0" lang="en-US" sz="1800" spc="-1" strike="noStrike">
-              <a:latin typeface="Arial"/>
-            </a:endParaRPr>
-          </a:p>
-          <a:p>
-            <a:pPr marL="285840" indent="-280080">
+              <a:buClr>
+                <a:srgbClr val="000000"/>
+              </a:buClr>
+              <a:buFont typeface="Wingdings" charset="2"/>
+              <a:buChar char=""/>
+            </a:pPr>
+            <a:r>
+              <a:rPr b="0" lang="en-US" sz="1400" spc="-1" strike="noStrike">
+                <a:solidFill>
+                  <a:srgbClr val="000000"/>
+                </a:solidFill>
+                <a:latin typeface="Arial"/>
+                <a:ea typeface="DejaVu Sans"/>
+              </a:rPr>
+              <a:t>Create a LoginDialog component, pass it the properties open (a boolean) and handleClose (a function)</a:t>
+            </a:r>
+            <a:endParaRPr b="0" lang="en-US" sz="1400" spc="-1" strike="noStrike">
+              <a:latin typeface="Arial"/>
+            </a:endParaRPr>
+          </a:p>
+          <a:p>
+            <a:pPr marL="216000" indent="-214920">
+              <a:lnSpc>
+                <a:spcPct val="120000"/>
+              </a:lnSpc>
+              <a:buClr>
+                <a:srgbClr val="000000"/>
+              </a:buClr>
+              <a:buFont typeface="Wingdings" charset="2"/>
+              <a:buChar char=""/>
+            </a:pPr>
+            <a:r>
+              <a:rPr b="0" lang="en-US" sz="1400" spc="-1" strike="noStrike">
+                <a:solidFill>
+                  <a:srgbClr val="000000"/>
+                </a:solidFill>
+                <a:latin typeface="Arial"/>
+                <a:ea typeface="DejaVu Sans"/>
+              </a:rPr>
+              <a:t>In the render method, return a MUI &lt;Dialog /&gt;. Pass it the property open from your LoginDialog props.</a:t>
+            </a:r>
+            <a:endParaRPr b="0" lang="en-US" sz="1400" spc="-1" strike="noStrike">
+              <a:latin typeface="Arial"/>
+            </a:endParaRPr>
+          </a:p>
+          <a:p>
+            <a:pPr marL="216000" indent="-214920">
+              <a:lnSpc>
+                <a:spcPct val="120000"/>
+              </a:lnSpc>
+              <a:buClr>
+                <a:srgbClr val="000000"/>
+              </a:buClr>
+              <a:buFont typeface="Wingdings" charset="2"/>
+              <a:buChar char=""/>
+            </a:pPr>
+            <a:r>
+              <a:rPr b="0" lang="en-US" sz="1400" spc="-1" strike="noStrike">
+                <a:solidFill>
+                  <a:srgbClr val="000000"/>
+                </a:solidFill>
+                <a:latin typeface="Arial"/>
+                <a:ea typeface="DejaVu Sans"/>
+              </a:rPr>
+              <a:t>Add two Inputs for email and password as well as a Button from MUI</a:t>
+            </a:r>
+            <a:endParaRPr b="0" lang="en-US" sz="1400" spc="-1" strike="noStrike">
+              <a:latin typeface="Arial"/>
+            </a:endParaRPr>
+          </a:p>
+          <a:p>
+            <a:pPr marL="216000" indent="-214920">
+              <a:lnSpc>
+                <a:spcPct val="120000"/>
+              </a:lnSpc>
+              <a:buClr>
+                <a:srgbClr val="000000"/>
+              </a:buClr>
+              <a:buFont typeface="Wingdings" charset="2"/>
+              <a:buChar char=""/>
+            </a:pPr>
+            <a:r>
+              <a:rPr b="0" lang="en-US" sz="1400" spc="-1" strike="noStrike">
+                <a:solidFill>
+                  <a:srgbClr val="000000"/>
+                </a:solidFill>
+                <a:latin typeface="Arial"/>
+                <a:ea typeface="DejaVu Sans"/>
+              </a:rPr>
+              <a:t>Initialize two refs in the constructor and add them to the Inputs using callbacks in their inputRef property</a:t>
+            </a:r>
+            <a:endParaRPr b="0" lang="en-US" sz="1400" spc="-1" strike="noStrike">
+              <a:latin typeface="Arial"/>
+            </a:endParaRPr>
+          </a:p>
+          <a:p>
+            <a:pPr marL="216000" indent="-214920">
+              <a:lnSpc>
+                <a:spcPct val="120000"/>
+              </a:lnSpc>
+              <a:buClr>
+                <a:srgbClr val="000000"/>
+              </a:buClr>
+              <a:buFont typeface="Wingdings" charset="2"/>
+              <a:buChar char=""/>
+            </a:pPr>
+            <a:r>
+              <a:rPr b="0" lang="en-US" sz="1400" spc="-1" strike="noStrike">
+                <a:solidFill>
+                  <a:srgbClr val="000000"/>
+                </a:solidFill>
+                <a:latin typeface="Arial"/>
+                <a:ea typeface="DejaVu Sans"/>
+              </a:rPr>
+              <a:t>Create a handleLogin function and add it to the onClick of the button.</a:t>
+            </a:r>
+            <a:endParaRPr b="0" lang="en-US" sz="1400" spc="-1" strike="noStrike">
+              <a:latin typeface="Arial"/>
+            </a:endParaRPr>
+          </a:p>
+          <a:p>
+            <a:pPr marL="216000" indent="-214920">
+              <a:lnSpc>
+                <a:spcPct val="120000"/>
+              </a:lnSpc>
+              <a:buClr>
+                <a:srgbClr val="000000"/>
+              </a:buClr>
+              <a:buFont typeface="Wingdings" charset="2"/>
+              <a:buChar char=""/>
+            </a:pPr>
+            <a:r>
+              <a:rPr b="0" lang="en-US" sz="1400" spc="-1" strike="noStrike">
+                <a:solidFill>
+                  <a:srgbClr val="000000"/>
+                </a:solidFill>
+                <a:latin typeface="Arial"/>
+                <a:ea typeface="DejaVu Sans"/>
+              </a:rPr>
+              <a:t>Below your class, add `LoginDialog.contextType = UserContextAdd the login logic from your context to your handleLogin function.</a:t>
+            </a:r>
+            <a:endParaRPr b="0" lang="en-US" sz="1400" spc="-1" strike="noStrike">
+              <a:latin typeface="Arial"/>
+            </a:endParaRPr>
+          </a:p>
+          <a:p>
+            <a:pPr marL="216000" indent="-214920">
+              <a:lnSpc>
+                <a:spcPct val="120000"/>
+              </a:lnSpc>
+              <a:buClr>
+                <a:srgbClr val="000000"/>
+              </a:buClr>
+              <a:buFont typeface="Wingdings" charset="2"/>
+              <a:buChar char=""/>
+            </a:pPr>
+            <a:r>
+              <a:rPr b="0" lang="en-US" sz="1400" spc="-1" strike="noStrike">
+                <a:solidFill>
+                  <a:srgbClr val="000000"/>
+                </a:solidFill>
+                <a:latin typeface="Arial"/>
+                <a:ea typeface="DejaVu Sans"/>
+              </a:rPr>
+              <a:t>Change the &lt;Appbar /&gt; render to contain the &lt;LoginDialog /&gt;. Add the necessary functions and state members to manage the `open` prop of the LoginDialog. Pass LoginDialog the necessary function in handleClose</a:t>
+            </a:r>
+            <a:endParaRPr b="0" lang="en-US" sz="1400" spc="-1" strike="noStrike">
+              <a:latin typeface="Arial"/>
+            </a:endParaRPr>
+          </a:p>
+          <a:p>
+            <a:pPr marL="216000" indent="-214920">
+              <a:lnSpc>
+                <a:spcPct val="120000"/>
+              </a:lnSpc>
+              <a:buClr>
+                <a:srgbClr val="000000"/>
+              </a:buClr>
+              <a:buFont typeface="Wingdings" charset="2"/>
+              <a:buChar char=""/>
+            </a:pPr>
+            <a:r>
+              <a:rPr b="0" lang="en-US" sz="1400" spc="-1" strike="noStrike">
+                <a:solidFill>
+                  <a:srgbClr val="000000"/>
+                </a:solidFill>
+                <a:latin typeface="Arial"/>
+                <a:ea typeface="DejaVu Sans"/>
+              </a:rPr>
+              <a:t>BONUS: make the ‘favorite’ on the accommodations work again. The favorite accommodations list can be found on the user object.</a:t>
+            </a:r>
+            <a:endParaRPr b="0" lang="en-US" sz="1400" spc="-1" strike="noStrike">
+              <a:latin typeface="Arial"/>
+            </a:endParaRPr>
+          </a:p>
+          <a:p>
+            <a:pPr marL="216000" indent="-214920">
+              <a:lnSpc>
+                <a:spcPct val="120000"/>
+              </a:lnSpc>
+              <a:buClr>
+                <a:srgbClr val="000000"/>
+              </a:buClr>
+              <a:buFont typeface="Wingdings" charset="2"/>
+              <a:buChar char=""/>
+            </a:pPr>
+            <a:r>
+              <a:rPr b="0" lang="en-US" sz="1400" spc="-1" strike="noStrike">
+                <a:solidFill>
+                  <a:srgbClr val="000000"/>
+                </a:solidFill>
+                <a:latin typeface="Arial"/>
+                <a:ea typeface="DejaVu Sans"/>
+              </a:rPr>
+              <a:t>BONUS: add validation to the ‘email’ field of the login dialog</a:t>
+            </a:r>
+            <a:endParaRPr b="0" lang="en-US" sz="1400" spc="-1" strike="noStrike">
+              <a:latin typeface="Arial"/>
+            </a:endParaRPr>
+          </a:p>
+          <a:p>
+            <a:pPr marL="285840" indent="-279720">
               <a:lnSpc>
                 <a:spcPct val="120000"/>
               </a:lnSpc>
@@ -9524,141 +11384,16 @@
               <a:buChar char="•"/>
             </a:pPr>
             <a:r>
-              <a:rPr b="0" lang="en-US" sz="1500" spc="-1" strike="noStrike">
+              <a:rPr b="0" lang="en-US" sz="1400" spc="-1" strike="noStrike">
                 <a:solidFill>
                   <a:srgbClr val="000000"/>
                 </a:solidFill>
                 <a:latin typeface="Arial"/>
                 <a:ea typeface="DejaVu Sans"/>
               </a:rPr>
-              <a:t>Add a new page at `/create`</a:t>
-            </a:r>
-            <a:endParaRPr b="0" lang="en-US" sz="1500" spc="-1" strike="noStrike">
-              <a:latin typeface="Arial"/>
-            </a:endParaRPr>
-          </a:p>
-          <a:p>
-            <a:pPr marL="285840" indent="-280080">
-              <a:lnSpc>
-                <a:spcPct val="120000"/>
-              </a:lnSpc>
-              <a:buClr>
-                <a:srgbClr val="000000"/>
-              </a:buClr>
-              <a:buFont typeface="Arial"/>
-              <a:buChar char="•"/>
-            </a:pPr>
-            <a:r>
-              <a:rPr b="0" lang="en-US" sz="1500" spc="-1" strike="noStrike">
-                <a:solidFill>
-                  <a:srgbClr val="000000"/>
-                </a:solidFill>
-                <a:latin typeface="Arial"/>
-                <a:ea typeface="DejaVu Sans"/>
-              </a:rPr>
-              <a:t>Add a MUI TextField for name, location, foto url, description and a MUI (multi)Select for amenities (faciliteiten)</a:t>
-            </a:r>
-            <a:endParaRPr b="0" lang="en-US" sz="1500" spc="-1" strike="noStrike">
-              <a:latin typeface="Arial"/>
-            </a:endParaRPr>
-          </a:p>
-          <a:p>
-            <a:pPr marL="285840" indent="-280080">
-              <a:lnSpc>
-                <a:spcPct val="120000"/>
-              </a:lnSpc>
-              <a:buClr>
-                <a:srgbClr val="000000"/>
-              </a:buClr>
-              <a:buFont typeface="Arial"/>
-              <a:buChar char="•"/>
-            </a:pPr>
-            <a:r>
-              <a:rPr b="0" lang="en-US" sz="1500" spc="-1" strike="noStrike">
-                <a:solidFill>
-                  <a:srgbClr val="000000"/>
-                </a:solidFill>
-                <a:latin typeface="Arial"/>
-                <a:ea typeface="DejaVu Sans"/>
-              </a:rPr>
-              <a:t>Have the input values depend on state and add functions for the inputs’ `onChange`</a:t>
-            </a:r>
-            <a:endParaRPr b="0" lang="en-US" sz="1500" spc="-1" strike="noStrike">
-              <a:latin typeface="Arial"/>
-            </a:endParaRPr>
-          </a:p>
-          <a:p>
-            <a:pPr marL="285840" indent="-280080">
-              <a:lnSpc>
-                <a:spcPct val="120000"/>
-              </a:lnSpc>
-              <a:buClr>
-                <a:srgbClr val="000000"/>
-              </a:buClr>
-              <a:buFont typeface="Arial"/>
-              <a:buChar char="•"/>
-            </a:pPr>
-            <a:r>
-              <a:rPr b="0" lang="en-US" sz="1500" spc="-1" strike="noStrike">
-                <a:solidFill>
-                  <a:srgbClr val="000000"/>
-                </a:solidFill>
-                <a:latin typeface="Arial"/>
-                <a:ea typeface="DejaVu Sans"/>
-              </a:rPr>
-              <a:t>Add a submit button which posts the accomodation to `localhost:3030/accommodations` using the fetch function from ‘src/common/fetc’</a:t>
-            </a:r>
-            <a:endParaRPr b="0" lang="en-US" sz="1500" spc="-1" strike="noStrike">
-              <a:latin typeface="Arial"/>
-            </a:endParaRPr>
-          </a:p>
-          <a:p>
-            <a:pPr marL="285840" indent="-280080">
-              <a:lnSpc>
-                <a:spcPct val="120000"/>
-              </a:lnSpc>
-              <a:buClr>
-                <a:srgbClr val="000000"/>
-              </a:buClr>
-              <a:buFont typeface="Arial"/>
-              <a:buChar char="•"/>
-            </a:pPr>
-            <a:endParaRPr b="0" lang="en-US" sz="1500" spc="-1" strike="noStrike">
-              <a:latin typeface="Arial"/>
-            </a:endParaRPr>
-          </a:p>
-          <a:p>
-            <a:pPr marL="285840" indent="-280080">
-              <a:lnSpc>
-                <a:spcPct val="120000"/>
-              </a:lnSpc>
-              <a:buClr>
-                <a:srgbClr val="000000"/>
-              </a:buClr>
-              <a:buFont typeface="Arial"/>
-              <a:buChar char="•"/>
-            </a:pPr>
-            <a:r>
-              <a:rPr b="0" lang="en-US" sz="1500" spc="-1" strike="noStrike">
-                <a:solidFill>
-                  <a:srgbClr val="000000"/>
-                </a:solidFill>
-                <a:latin typeface="Arial"/>
-                <a:ea typeface="DejaVu Sans"/>
-              </a:rPr>
-              <a:t>Bonus: add a create new user page at `/register`</a:t>
-            </a:r>
-            <a:endParaRPr b="0" lang="en-US" sz="1500" spc="-1" strike="noStrike">
-              <a:latin typeface="Arial"/>
-            </a:endParaRPr>
-          </a:p>
-          <a:p>
-            <a:pPr>
-              <a:lnSpc>
-                <a:spcPct val="120000"/>
-              </a:lnSpc>
-            </a:pPr>
-            <a:endParaRPr b="0" lang="en-US" sz="1500" spc="-1" strike="noStrike">
+              <a:t> </a:t>
+            </a:r>
+            <a:endParaRPr b="0" lang="en-US" sz="1400" spc="-1" strike="noStrike">
               <a:latin typeface="Arial"/>
             </a:endParaRPr>
           </a:p>
